--- a/PPT DANI.pptx
+++ b/PPT DANI.pptx
@@ -9657,13 +9657,6 @@
             </a:rPr>
             <a:t>Frecarea cu suprafața</a:t>
           </a:r>
-          <a:endParaRPr lang="ro-RO" sz="2800" dirty="0" smtClean="0">
-            <a:solidFill>
-              <a:schemeClr val="bg1"/>
-            </a:solidFill>
-            <a:latin typeface="Arial" pitchFamily="34" charset="0"/>
-            <a:cs typeface="Arial" pitchFamily="34" charset="0"/>
-          </a:endParaRPr>
         </a:p>
       </dgm:t>
     </dgm:pt>
@@ -9740,6 +9733,13 @@
         </dgm:presLayoutVars>
       </dgm:prSet>
       <dgm:spPr/>
+      <dgm:t>
+        <a:bodyPr/>
+        <a:lstStyle/>
+        <a:p>
+          <a:endParaRPr lang="ro-RO"/>
+        </a:p>
+      </dgm:t>
     </dgm:pt>
     <dgm:pt modelId="{863EBAEA-57E4-4E27-B01B-716732FD5E7F}" type="pres">
       <dgm:prSet presAssocID="{9A84E9F3-BBD3-4B8D-995D-CA2378740091}" presName="parentText" presStyleLbl="node1" presStyleIdx="0" presStyleCnt="5">
@@ -10060,6 +10060,13 @@
         </dgm:presLayoutVars>
       </dgm:prSet>
       <dgm:spPr/>
+      <dgm:t>
+        <a:bodyPr/>
+        <a:lstStyle/>
+        <a:p>
+          <a:endParaRPr lang="ro-RO"/>
+        </a:p>
+      </dgm:t>
     </dgm:pt>
     <dgm:pt modelId="{21233E3F-FD57-459A-8C01-DD6BE11A09D7}" type="pres">
       <dgm:prSet presAssocID="{4BBCB0CB-F764-40A0-A90A-2F5787ED5E64}" presName="parentText" presStyleLbl="node1" presStyleIdx="0" presStyleCnt="4">
@@ -10143,8 +10150,8 @@
     <dgm:cxn modelId="{69FD0EA4-41AE-4F4D-9FCF-7D313F6E0DB4}" type="presOf" srcId="{43BA6B51-8AD4-40EF-9B1A-E7309FD85D81}" destId="{C8AA2C91-D21C-4558-BD53-B683152DF702}" srcOrd="0" destOrd="0" presId="urn:microsoft.com/office/officeart/2005/8/layout/vList2"/>
     <dgm:cxn modelId="{572639B7-882A-43EC-861A-E726D20580FA}" type="presOf" srcId="{65F671A5-9EF5-46F0-BF4A-893B50355BD2}" destId="{BD30FC87-F657-45C4-94AE-6A0A2E430768}" srcOrd="0" destOrd="0" presId="urn:microsoft.com/office/officeart/2005/8/layout/vList2"/>
     <dgm:cxn modelId="{80B69BDF-6DE5-4814-80A4-6CCAA2CC67FF}" type="presOf" srcId="{6F756F77-BAD6-4DA5-AF43-7AE1D08029B4}" destId="{5C6DA0BA-E8EE-4FF6-9518-01B397EDE63B}" srcOrd="0" destOrd="0" presId="urn:microsoft.com/office/officeart/2005/8/layout/vList2"/>
+    <dgm:cxn modelId="{DC8C42B5-7D94-4DD2-9CA6-D9D933CAA97F}" type="presOf" srcId="{CA6C62C6-A560-4015-9721-14F8FC98DFB7}" destId="{74BD7700-AF98-437C-AB6A-048C095D6BEA}" srcOrd="0" destOrd="0" presId="urn:microsoft.com/office/officeart/2005/8/layout/vList2"/>
     <dgm:cxn modelId="{B618CB73-CF3F-4CB4-88E2-EA46B18CE09B}" srcId="{43BA6B51-8AD4-40EF-9B1A-E7309FD85D81}" destId="{CA6C62C6-A560-4015-9721-14F8FC98DFB7}" srcOrd="2" destOrd="0" parTransId="{529E23B3-77A6-4027-9106-7058F5A3A0C8}" sibTransId="{E1AD4778-0C61-4D95-83F1-270E69B41038}"/>
-    <dgm:cxn modelId="{DC8C42B5-7D94-4DD2-9CA6-D9D933CAA97F}" type="presOf" srcId="{CA6C62C6-A560-4015-9721-14F8FC98DFB7}" destId="{74BD7700-AF98-437C-AB6A-048C095D6BEA}" srcOrd="0" destOrd="0" presId="urn:microsoft.com/office/officeart/2005/8/layout/vList2"/>
     <dgm:cxn modelId="{267F1E20-5739-42BC-BD92-FED6AA27B6BA}" srcId="{43BA6B51-8AD4-40EF-9B1A-E7309FD85D81}" destId="{65F671A5-9EF5-46F0-BF4A-893B50355BD2}" srcOrd="1" destOrd="0" parTransId="{EAA4BAD9-3C73-48C0-BC1F-0213FA491D66}" sibTransId="{CE353876-8556-485A-83CC-F34D7DAEA4A3}"/>
     <dgm:cxn modelId="{03B7F797-5C5C-4712-9820-671122BC9D3F}" srcId="{43BA6B51-8AD4-40EF-9B1A-E7309FD85D81}" destId="{4BBCB0CB-F764-40A0-A90A-2F5787ED5E64}" srcOrd="0" destOrd="0" parTransId="{7A02591F-626C-4551-97F2-4F5A166670F8}" sibTransId="{99E96F15-C97B-4F11-86CC-53E3F060EDD3}"/>
     <dgm:cxn modelId="{3B7D5DC6-0723-4E16-A999-1189131AC54E}" type="presOf" srcId="{4BBCB0CB-F764-40A0-A90A-2F5787ED5E64}" destId="{21233E3F-FD57-459A-8C01-DD6BE11A09D7}" srcOrd="0" destOrd="0" presId="urn:microsoft.com/office/officeart/2005/8/layout/vList2"/>
@@ -10374,6 +10381,13 @@
         </dgm:presLayoutVars>
       </dgm:prSet>
       <dgm:spPr/>
+      <dgm:t>
+        <a:bodyPr/>
+        <a:lstStyle/>
+        <a:p>
+          <a:endParaRPr lang="ro-RO"/>
+        </a:p>
+      </dgm:t>
     </dgm:pt>
     <dgm:pt modelId="{7DE29D0F-BFB3-4AF2-BEF8-609C17F6EFE4}" type="pres">
       <dgm:prSet presAssocID="{DC935E94-7027-4C3C-BFE3-7A880D2C79A3}" presName="parentText" presStyleLbl="node1" presStyleIdx="0" presStyleCnt="4">
@@ -10443,6 +10457,13 @@
         </dgm:presLayoutVars>
       </dgm:prSet>
       <dgm:spPr/>
+      <dgm:t>
+        <a:bodyPr/>
+        <a:lstStyle/>
+        <a:p>
+          <a:endParaRPr lang="ro-RO"/>
+        </a:p>
+      </dgm:t>
     </dgm:pt>
   </dgm:ptLst>
   <dgm:cxnLst>
@@ -10678,12 +10699,27 @@
         <a:bodyPr/>
         <a:lstStyle/>
         <a:p>
+          <a:pPr algn="ctr"/>
           <a:r>
             <a:rPr lang="ro-RO" sz="2400" dirty="0" smtClean="0">
               <a:latin typeface="Arial" pitchFamily="34" charset="0"/>
               <a:cs typeface="Arial" pitchFamily="34" charset="0"/>
             </a:rPr>
-            <a:t>Capacitatea de a reproduce toate mișcările robotului</a:t>
+            <a:t>Capacitatea de </a:t>
+          </a:r>
+          <a:r>
+            <a:rPr lang="ro-RO" sz="2400" dirty="0" smtClean="0">
+              <a:latin typeface="Arial" pitchFamily="34" charset="0"/>
+              <a:cs typeface="Arial" pitchFamily="34" charset="0"/>
+            </a:rPr>
+            <a:t>a reproduce mișcările robotului</a:t>
+          </a:r>
+          <a:r>
+            <a:rPr lang="en-US" sz="2400" dirty="0" smtClean="0">
+              <a:latin typeface="Arial" pitchFamily="34" charset="0"/>
+              <a:cs typeface="Arial" pitchFamily="34" charset="0"/>
+            </a:rPr>
+            <a:t>:</a:t>
           </a:r>
           <a:endParaRPr lang="ro-RO" sz="2400" dirty="0">
             <a:latin typeface="Arial" pitchFamily="34" charset="0"/>
@@ -10747,6 +10783,138 @@
       </dgm:t>
     </dgm:pt>
     <dgm:pt modelId="{53C9DEE9-B832-4ABB-903F-231DAD305C70}" type="sibTrans" cxnId="{DA8FACF4-B71D-4A4F-BC0A-F6A69F12F4C1}">
+      <dgm:prSet/>
+      <dgm:spPr/>
+      <dgm:t>
+        <a:bodyPr/>
+        <a:lstStyle/>
+        <a:p>
+          <a:endParaRPr lang="ro-RO"/>
+        </a:p>
+      </dgm:t>
+    </dgm:pt>
+    <dgm:pt modelId="{15F5DC6F-6AC0-4EFF-955E-7BEF3CAFA0B8}">
+      <dgm:prSet phldrT="[Text]" custT="1"/>
+      <dgm:spPr/>
+      <dgm:t>
+        <a:bodyPr/>
+        <a:lstStyle/>
+        <a:p>
+          <a:pPr algn="l"/>
+          <a:r>
+            <a:rPr lang="ro-RO" sz="2000" dirty="0" smtClean="0">
+              <a:latin typeface="Arial" pitchFamily="34" charset="0"/>
+              <a:cs typeface="Arial" pitchFamily="34" charset="0"/>
+            </a:rPr>
+            <a:t>Deplasare în față/spate</a:t>
+          </a:r>
+          <a:endParaRPr lang="ro-RO" sz="2000" dirty="0">
+            <a:latin typeface="Arial" pitchFamily="34" charset="0"/>
+            <a:cs typeface="Arial" pitchFamily="34" charset="0"/>
+          </a:endParaRPr>
+        </a:p>
+      </dgm:t>
+    </dgm:pt>
+    <dgm:pt modelId="{1D85FAE9-15A2-491F-A200-5947FAA83660}" type="parTrans" cxnId="{D7A32562-8E7C-4B29-9B7D-A4250F549F79}">
+      <dgm:prSet/>
+      <dgm:spPr/>
+      <dgm:t>
+        <a:bodyPr/>
+        <a:lstStyle/>
+        <a:p>
+          <a:endParaRPr lang="ro-RO"/>
+        </a:p>
+      </dgm:t>
+    </dgm:pt>
+    <dgm:pt modelId="{E2ED9C73-19A7-4370-AE69-5568C413C230}" type="sibTrans" cxnId="{D7A32562-8E7C-4B29-9B7D-A4250F549F79}">
+      <dgm:prSet/>
+      <dgm:spPr/>
+      <dgm:t>
+        <a:bodyPr/>
+        <a:lstStyle/>
+        <a:p>
+          <a:endParaRPr lang="ro-RO"/>
+        </a:p>
+      </dgm:t>
+    </dgm:pt>
+    <dgm:pt modelId="{E085C79A-C419-4FB3-A976-BBD8AD239118}">
+      <dgm:prSet phldrT="[Text]" custT="1"/>
+      <dgm:spPr/>
+      <dgm:t>
+        <a:bodyPr/>
+        <a:lstStyle/>
+        <a:p>
+          <a:pPr algn="l"/>
+          <a:r>
+            <a:rPr lang="ro-RO" sz="2000" dirty="0" smtClean="0">
+              <a:latin typeface="Arial" pitchFamily="34" charset="0"/>
+              <a:cs typeface="Arial" pitchFamily="34" charset="0"/>
+            </a:rPr>
+            <a:t>Întoarcere la stânga/dreapta</a:t>
+          </a:r>
+          <a:endParaRPr lang="ro-RO" sz="2000" dirty="0">
+            <a:latin typeface="Arial" pitchFamily="34" charset="0"/>
+            <a:cs typeface="Arial" pitchFamily="34" charset="0"/>
+          </a:endParaRPr>
+        </a:p>
+      </dgm:t>
+    </dgm:pt>
+    <dgm:pt modelId="{E576EA24-B819-42B9-B271-B144D0CA3F53}" type="parTrans" cxnId="{DCDB7DEF-2F19-41C6-AF1C-B4D06B9FE3DC}">
+      <dgm:prSet/>
+      <dgm:spPr/>
+      <dgm:t>
+        <a:bodyPr/>
+        <a:lstStyle/>
+        <a:p>
+          <a:endParaRPr lang="ro-RO"/>
+        </a:p>
+      </dgm:t>
+    </dgm:pt>
+    <dgm:pt modelId="{D0F61A5C-5D97-4D3B-A56E-5AD7249873E4}" type="sibTrans" cxnId="{DCDB7DEF-2F19-41C6-AF1C-B4D06B9FE3DC}">
+      <dgm:prSet/>
+      <dgm:spPr/>
+      <dgm:t>
+        <a:bodyPr/>
+        <a:lstStyle/>
+        <a:p>
+          <a:endParaRPr lang="ro-RO"/>
+        </a:p>
+      </dgm:t>
+    </dgm:pt>
+    <dgm:pt modelId="{327EFE90-BBE0-446A-9DF1-C4EAF21C2F2E}">
+      <dgm:prSet phldrT="[Text]" custT="1"/>
+      <dgm:spPr/>
+      <dgm:t>
+        <a:bodyPr/>
+        <a:lstStyle/>
+        <a:p>
+          <a:pPr algn="l"/>
+          <a:r>
+            <a:rPr lang="ro-RO" sz="2000" dirty="0" smtClean="0">
+              <a:latin typeface="Arial" pitchFamily="34" charset="0"/>
+              <a:cs typeface="Arial" pitchFamily="34" charset="0"/>
+            </a:rPr>
+            <a:t>Șut cu piciorul stâng/drept</a:t>
+          </a:r>
+          <a:endParaRPr lang="ro-RO" sz="2000" dirty="0">
+            <a:latin typeface="Arial" pitchFamily="34" charset="0"/>
+            <a:cs typeface="Arial" pitchFamily="34" charset="0"/>
+          </a:endParaRPr>
+        </a:p>
+      </dgm:t>
+    </dgm:pt>
+    <dgm:pt modelId="{BFF1BC4E-F098-4FFF-B9F6-C0A0CE435DA0}" type="sibTrans" cxnId="{6D92DEA7-F416-48A9-A827-9A79AFBE5E15}">
+      <dgm:prSet/>
+      <dgm:spPr/>
+      <dgm:t>
+        <a:bodyPr/>
+        <a:lstStyle/>
+        <a:p>
+          <a:endParaRPr lang="ro-RO"/>
+        </a:p>
+      </dgm:t>
+    </dgm:pt>
+    <dgm:pt modelId="{E4817803-1F91-47B6-8A08-90DF24F38187}" type="parTrans" cxnId="{6D92DEA7-F416-48A9-A827-9A79AFBE5E15}">
       <dgm:prSet/>
       <dgm:spPr/>
       <dgm:t>
@@ -10934,7 +11102,7 @@
       </dgm:t>
     </dgm:pt>
     <dgm:pt modelId="{4152214E-220B-4822-86A7-563510686FCF}" type="pres">
-      <dgm:prSet presAssocID="{B083D632-A57E-4481-BBE0-BEBFBBEF2397}" presName="childText" presStyleLbl="bgAcc1" presStyleIdx="3" presStyleCnt="4" custScaleX="249839" custScaleY="131041">
+      <dgm:prSet presAssocID="{B083D632-A57E-4481-BBE0-BEBFBBEF2397}" presName="childText" presStyleLbl="bgAcc1" presStyleIdx="3" presStyleCnt="4" custScaleX="264161" custScaleY="117153">
         <dgm:presLayoutVars>
           <dgm:bulletEnabled val="1"/>
         </dgm:presLayoutVars>
@@ -10950,25 +11118,31 @@
     </dgm:pt>
   </dgm:ptLst>
   <dgm:cxnLst>
-    <dgm:cxn modelId="{A527F35B-E9B5-4C38-817A-FCC8A8366265}" type="presOf" srcId="{0F3B9CF8-D991-47B9-88D2-454C0F4FB111}" destId="{726D5226-3D72-4D2B-8F45-10A2EB24A09F}" srcOrd="0" destOrd="0" presId="urn:microsoft.com/office/officeart/2005/8/layout/hierarchy3"/>
+    <dgm:cxn modelId="{FFA01F03-C7DB-45A5-BB2D-D7198538E721}" type="presOf" srcId="{99DF9772-037A-4669-B37E-7C081435537C}" destId="{5333AEAE-EB2D-4416-BCE0-4585358C44A5}" srcOrd="0" destOrd="0" presId="urn:microsoft.com/office/officeart/2005/8/layout/hierarchy3"/>
+    <dgm:cxn modelId="{DA8FACF4-B71D-4A4F-BC0A-F6A69F12F4C1}" srcId="{35204488-DC39-43AD-A4BD-5B41C291B1DF}" destId="{0F3B9CF8-D991-47B9-88D2-454C0F4FB111}" srcOrd="2" destOrd="0" parTransId="{01DAC0C3-3F3C-4878-A38E-24F5CB87CE34}" sibTransId="{53C9DEE9-B832-4ABB-903F-231DAD305C70}"/>
+    <dgm:cxn modelId="{4E060133-8C1F-4373-A452-D749FDC9754A}" type="presOf" srcId="{35204488-DC39-43AD-A4BD-5B41C291B1DF}" destId="{FA69E7C8-55DB-4297-8984-B989A0223647}" srcOrd="1" destOrd="0" presId="urn:microsoft.com/office/officeart/2005/8/layout/hierarchy3"/>
+    <dgm:cxn modelId="{83BC7918-9B44-4626-A52F-03FD5F2C2DEF}" type="presOf" srcId="{327EFE90-BBE0-446A-9DF1-C4EAF21C2F2E}" destId="{4152214E-220B-4822-86A7-563510686FCF}" srcOrd="0" destOrd="3" presId="urn:microsoft.com/office/officeart/2005/8/layout/hierarchy3"/>
+    <dgm:cxn modelId="{FFE2A793-A85A-4BF0-9FB3-CE554E643644}" type="presOf" srcId="{B083D632-A57E-4481-BBE0-BEBFBBEF2397}" destId="{4152214E-220B-4822-86A7-563510686FCF}" srcOrd="0" destOrd="0" presId="urn:microsoft.com/office/officeart/2005/8/layout/hierarchy3"/>
+    <dgm:cxn modelId="{DCDB7DEF-2F19-41C6-AF1C-B4D06B9FE3DC}" srcId="{B083D632-A57E-4481-BBE0-BEBFBBEF2397}" destId="{E085C79A-C419-4FB3-A976-BBD8AD239118}" srcOrd="1" destOrd="0" parTransId="{E576EA24-B819-42B9-B271-B144D0CA3F53}" sibTransId="{D0F61A5C-5D97-4D3B-A56E-5AD7249873E4}"/>
+    <dgm:cxn modelId="{D7A32562-8E7C-4B29-9B7D-A4250F549F79}" srcId="{B083D632-A57E-4481-BBE0-BEBFBBEF2397}" destId="{15F5DC6F-6AC0-4EFF-955E-7BEF3CAFA0B8}" srcOrd="0" destOrd="0" parTransId="{1D85FAE9-15A2-491F-A200-5947FAA83660}" sibTransId="{E2ED9C73-19A7-4370-AE69-5568C413C230}"/>
     <dgm:cxn modelId="{14C9FF73-047E-4811-B99C-5667C7D8A46E}" type="presOf" srcId="{43AED67D-07CF-4A61-86DA-AE4DF175D355}" destId="{BB1DA55A-2515-4681-9EE8-EB2CED6D6917}" srcOrd="0" destOrd="0" presId="urn:microsoft.com/office/officeart/2005/8/layout/hierarchy3"/>
-    <dgm:cxn modelId="{FFE2A793-A85A-4BF0-9FB3-CE554E643644}" type="presOf" srcId="{B083D632-A57E-4481-BBE0-BEBFBBEF2397}" destId="{4152214E-220B-4822-86A7-563510686FCF}" srcOrd="0" destOrd="0" presId="urn:microsoft.com/office/officeart/2005/8/layout/hierarchy3"/>
-    <dgm:cxn modelId="{6C1F1F4C-BA0B-44D3-9ECE-6391E0043478}" srcId="{43AED67D-07CF-4A61-86DA-AE4DF175D355}" destId="{99DF9772-037A-4669-B37E-7C081435537C}" srcOrd="1" destOrd="0" parTransId="{1F27DE00-9190-436F-8785-1EE8DC67C78F}" sibTransId="{1E2D050B-3ADE-4153-9B48-823CEFA7AFDF}"/>
-    <dgm:cxn modelId="{8C96C828-4F37-4A06-B67D-6029A605FDDD}" srcId="{99DF9772-037A-4669-B37E-7C081435537C}" destId="{B083D632-A57E-4481-BBE0-BEBFBBEF2397}" srcOrd="0" destOrd="0" parTransId="{0E851A36-4FE9-4C2A-B4D7-71A78AE7F011}" sibTransId="{953AD4A8-ABA5-47F8-AD5C-6D7914067A85}"/>
-    <dgm:cxn modelId="{691EE79B-D040-4BDB-BC3D-DED649925F1B}" type="presOf" srcId="{35204488-DC39-43AD-A4BD-5B41C291B1DF}" destId="{5CCAB9CD-5678-489E-9152-45F87765558C}" srcOrd="0" destOrd="0" presId="urn:microsoft.com/office/officeart/2005/8/layout/hierarchy3"/>
-    <dgm:cxn modelId="{E039EDA7-6138-4755-9917-E81F35CFDA88}" type="presOf" srcId="{01DAC0C3-3F3C-4878-A38E-24F5CB87CE34}" destId="{E3E4AB23-E837-487B-B02E-D47CF90B4173}" srcOrd="0" destOrd="0" presId="urn:microsoft.com/office/officeart/2005/8/layout/hierarchy3"/>
-    <dgm:cxn modelId="{AE8FAFCB-2F7B-4F2C-9B79-430A30C6A8C0}" type="presOf" srcId="{E2D85D32-6B25-4CA9-B6DC-5CB73041FDBE}" destId="{258AB761-A355-46CE-B772-F690C567F80F}" srcOrd="0" destOrd="0" presId="urn:microsoft.com/office/officeart/2005/8/layout/hierarchy3"/>
-    <dgm:cxn modelId="{FFA01F03-C7DB-45A5-BB2D-D7198538E721}" type="presOf" srcId="{99DF9772-037A-4669-B37E-7C081435537C}" destId="{5333AEAE-EB2D-4416-BCE0-4585358C44A5}" srcOrd="0" destOrd="0" presId="urn:microsoft.com/office/officeart/2005/8/layout/hierarchy3"/>
-    <dgm:cxn modelId="{4A847FBD-3DA2-48EC-90A3-130B90444558}" srcId="{35204488-DC39-43AD-A4BD-5B41C291B1DF}" destId="{E2D85D32-6B25-4CA9-B6DC-5CB73041FDBE}" srcOrd="0" destOrd="0" parTransId="{3DEB98A9-405F-43BC-A7CC-44C10E2F35A8}" sibTransId="{BB474665-9F92-49B6-A8F8-FE3EE67F497E}"/>
-    <dgm:cxn modelId="{E8755E95-EDDE-4BCA-8F3A-2C95A94AE39C}" type="presOf" srcId="{99DF9772-037A-4669-B37E-7C081435537C}" destId="{49D68647-E270-4F68-9BE5-C0856FE9EAC6}" srcOrd="1" destOrd="0" presId="urn:microsoft.com/office/officeart/2005/8/layout/hierarchy3"/>
-    <dgm:cxn modelId="{8563B0D7-FC30-4B46-BBB8-1CD9D4057BFC}" type="presOf" srcId="{0E851A36-4FE9-4C2A-B4D7-71A78AE7F011}" destId="{D6ECFF67-67E8-42A3-8C31-4B5F2DD97651}" srcOrd="0" destOrd="0" presId="urn:microsoft.com/office/officeart/2005/8/layout/hierarchy3"/>
-    <dgm:cxn modelId="{4E060133-8C1F-4373-A452-D749FDC9754A}" type="presOf" srcId="{35204488-DC39-43AD-A4BD-5B41C291B1DF}" destId="{FA69E7C8-55DB-4297-8984-B989A0223647}" srcOrd="1" destOrd="0" presId="urn:microsoft.com/office/officeart/2005/8/layout/hierarchy3"/>
-    <dgm:cxn modelId="{0FED8A55-6549-4781-B91A-CEA0A71C7017}" srcId="{35204488-DC39-43AD-A4BD-5B41C291B1DF}" destId="{6CE04A76-CAC0-4C73-8D2E-7CBC1B4FE4AD}" srcOrd="1" destOrd="0" parTransId="{B0925F89-6E40-4CAE-AC90-61A8CF96F258}" sibTransId="{F21F0399-E13D-4E0A-B90F-3E45841B46A2}"/>
+    <dgm:cxn modelId="{669B1AB8-C00C-4BE3-B7A9-0825A40B13B4}" type="presOf" srcId="{3DEB98A9-405F-43BC-A7CC-44C10E2F35A8}" destId="{68F3F0C8-3BA2-4217-AFED-A81912B7799E}" srcOrd="0" destOrd="0" presId="urn:microsoft.com/office/officeart/2005/8/layout/hierarchy3"/>
+    <dgm:cxn modelId="{6D92DEA7-F416-48A9-A827-9A79AFBE5E15}" srcId="{B083D632-A57E-4481-BBE0-BEBFBBEF2397}" destId="{327EFE90-BBE0-446A-9DF1-C4EAF21C2F2E}" srcOrd="2" destOrd="0" parTransId="{E4817803-1F91-47B6-8A08-90DF24F38187}" sibTransId="{BFF1BC4E-F098-4FFF-B9F6-C0A0CE435DA0}"/>
     <dgm:cxn modelId="{93C23507-4724-4C34-9BE0-1FF0AA654DEF}" type="presOf" srcId="{B0925F89-6E40-4CAE-AC90-61A8CF96F258}" destId="{16CDCA37-2E2E-471E-AEC4-E516BEF0A17D}" srcOrd="0" destOrd="0" presId="urn:microsoft.com/office/officeart/2005/8/layout/hierarchy3"/>
     <dgm:cxn modelId="{3A6B1BB8-C4F4-4CAB-8DC5-A69892860EC6}" srcId="{43AED67D-07CF-4A61-86DA-AE4DF175D355}" destId="{35204488-DC39-43AD-A4BD-5B41C291B1DF}" srcOrd="0" destOrd="0" parTransId="{1FA97A05-3C91-4A4C-9934-EFB38B5CF0B7}" sibTransId="{97338697-DE0F-4E17-82AE-C4905C4C41B7}"/>
-    <dgm:cxn modelId="{669B1AB8-C00C-4BE3-B7A9-0825A40B13B4}" type="presOf" srcId="{3DEB98A9-405F-43BC-A7CC-44C10E2F35A8}" destId="{68F3F0C8-3BA2-4217-AFED-A81912B7799E}" srcOrd="0" destOrd="0" presId="urn:microsoft.com/office/officeart/2005/8/layout/hierarchy3"/>
+    <dgm:cxn modelId="{691EE79B-D040-4BDB-BC3D-DED649925F1B}" type="presOf" srcId="{35204488-DC39-43AD-A4BD-5B41C291B1DF}" destId="{5CCAB9CD-5678-489E-9152-45F87765558C}" srcOrd="0" destOrd="0" presId="urn:microsoft.com/office/officeart/2005/8/layout/hierarchy3"/>
+    <dgm:cxn modelId="{A527F35B-E9B5-4C38-817A-FCC8A8366265}" type="presOf" srcId="{0F3B9CF8-D991-47B9-88D2-454C0F4FB111}" destId="{726D5226-3D72-4D2B-8F45-10A2EB24A09F}" srcOrd="0" destOrd="0" presId="urn:microsoft.com/office/officeart/2005/8/layout/hierarchy3"/>
+    <dgm:cxn modelId="{4A847FBD-3DA2-48EC-90A3-130B90444558}" srcId="{35204488-DC39-43AD-A4BD-5B41C291B1DF}" destId="{E2D85D32-6B25-4CA9-B6DC-5CB73041FDBE}" srcOrd="0" destOrd="0" parTransId="{3DEB98A9-405F-43BC-A7CC-44C10E2F35A8}" sibTransId="{BB474665-9F92-49B6-A8F8-FE3EE67F497E}"/>
+    <dgm:cxn modelId="{E2DEA96E-D880-4F77-B7A6-32E29D693B87}" type="presOf" srcId="{15F5DC6F-6AC0-4EFF-955E-7BEF3CAFA0B8}" destId="{4152214E-220B-4822-86A7-563510686FCF}" srcOrd="0" destOrd="1" presId="urn:microsoft.com/office/officeart/2005/8/layout/hierarchy3"/>
     <dgm:cxn modelId="{6316DD67-1D6E-45F9-9D50-76D855A9D607}" type="presOf" srcId="{6CE04A76-CAC0-4C73-8D2E-7CBC1B4FE4AD}" destId="{7C5A5C97-1B6A-46B0-8199-CE668015C8CF}" srcOrd="0" destOrd="0" presId="urn:microsoft.com/office/officeart/2005/8/layout/hierarchy3"/>
-    <dgm:cxn modelId="{DA8FACF4-B71D-4A4F-BC0A-F6A69F12F4C1}" srcId="{35204488-DC39-43AD-A4BD-5B41C291B1DF}" destId="{0F3B9CF8-D991-47B9-88D2-454C0F4FB111}" srcOrd="2" destOrd="0" parTransId="{01DAC0C3-3F3C-4878-A38E-24F5CB87CE34}" sibTransId="{53C9DEE9-B832-4ABB-903F-231DAD305C70}"/>
+    <dgm:cxn modelId="{8C96C828-4F37-4A06-B67D-6029A605FDDD}" srcId="{99DF9772-037A-4669-B37E-7C081435537C}" destId="{B083D632-A57E-4481-BBE0-BEBFBBEF2397}" srcOrd="0" destOrd="0" parTransId="{0E851A36-4FE9-4C2A-B4D7-71A78AE7F011}" sibTransId="{953AD4A8-ABA5-47F8-AD5C-6D7914067A85}"/>
+    <dgm:cxn modelId="{AE8FAFCB-2F7B-4F2C-9B79-430A30C6A8C0}" type="presOf" srcId="{E2D85D32-6B25-4CA9-B6DC-5CB73041FDBE}" destId="{258AB761-A355-46CE-B772-F690C567F80F}" srcOrd="0" destOrd="0" presId="urn:microsoft.com/office/officeart/2005/8/layout/hierarchy3"/>
+    <dgm:cxn modelId="{84B4CF22-84BF-4EFA-9727-6AE7C4B99C74}" type="presOf" srcId="{E085C79A-C419-4FB3-A976-BBD8AD239118}" destId="{4152214E-220B-4822-86A7-563510686FCF}" srcOrd="0" destOrd="2" presId="urn:microsoft.com/office/officeart/2005/8/layout/hierarchy3"/>
+    <dgm:cxn modelId="{8563B0D7-FC30-4B46-BBB8-1CD9D4057BFC}" type="presOf" srcId="{0E851A36-4FE9-4C2A-B4D7-71A78AE7F011}" destId="{D6ECFF67-67E8-42A3-8C31-4B5F2DD97651}" srcOrd="0" destOrd="0" presId="urn:microsoft.com/office/officeart/2005/8/layout/hierarchy3"/>
+    <dgm:cxn modelId="{E039EDA7-6138-4755-9917-E81F35CFDA88}" type="presOf" srcId="{01DAC0C3-3F3C-4878-A38E-24F5CB87CE34}" destId="{E3E4AB23-E837-487B-B02E-D47CF90B4173}" srcOrd="0" destOrd="0" presId="urn:microsoft.com/office/officeart/2005/8/layout/hierarchy3"/>
+    <dgm:cxn modelId="{E8755E95-EDDE-4BCA-8F3A-2C95A94AE39C}" type="presOf" srcId="{99DF9772-037A-4669-B37E-7C081435537C}" destId="{49D68647-E270-4F68-9BE5-C0856FE9EAC6}" srcOrd="1" destOrd="0" presId="urn:microsoft.com/office/officeart/2005/8/layout/hierarchy3"/>
+    <dgm:cxn modelId="{0FED8A55-6549-4781-B91A-CEA0A71C7017}" srcId="{35204488-DC39-43AD-A4BD-5B41C291B1DF}" destId="{6CE04A76-CAC0-4C73-8D2E-7CBC1B4FE4AD}" srcOrd="1" destOrd="0" parTransId="{B0925F89-6E40-4CAE-AC90-61A8CF96F258}" sibTransId="{F21F0399-E13D-4E0A-B90F-3E45841B46A2}"/>
+    <dgm:cxn modelId="{6C1F1F4C-BA0B-44D3-9ECE-6391E0043478}" srcId="{43AED67D-07CF-4A61-86DA-AE4DF175D355}" destId="{99DF9772-037A-4669-B37E-7C081435537C}" srcOrd="1" destOrd="0" parTransId="{1F27DE00-9190-436F-8785-1EE8DC67C78F}" sibTransId="{1E2D050B-3ADE-4153-9B48-823CEFA7AFDF}"/>
     <dgm:cxn modelId="{61440D45-75FF-4AFE-B71F-F389C8849434}" type="presParOf" srcId="{BB1DA55A-2515-4681-9EE8-EB2CED6D6917}" destId="{3B448EBD-16AE-4E8B-A1EA-F39F326617CA}" srcOrd="0" destOrd="0" presId="urn:microsoft.com/office/officeart/2005/8/layout/hierarchy3"/>
     <dgm:cxn modelId="{E41B3E5D-B0EC-4FAA-BCD3-874CC9BEADE2}" type="presParOf" srcId="{3B448EBD-16AE-4E8B-A1EA-F39F326617CA}" destId="{D1836A43-9BAD-4358-B2F6-4BFB063C6C6C}" srcOrd="0" destOrd="0" presId="urn:microsoft.com/office/officeart/2005/8/layout/hierarchy3"/>
     <dgm:cxn modelId="{D51097B4-0D13-4EBC-B3BB-7460C9A99C54}" type="presParOf" srcId="{D1836A43-9BAD-4358-B2F6-4BFB063C6C6C}" destId="{5CCAB9CD-5678-489E-9152-45F87765558C}" srcOrd="0" destOrd="0" presId="urn:microsoft.com/office/officeart/2005/8/layout/hierarchy3"/>
@@ -12083,17 +12257,7 @@
               <a:latin typeface="Arial" pitchFamily="34" charset="0"/>
               <a:cs typeface="Arial" pitchFamily="34" charset="0"/>
             </a:rPr>
-            <a:t>ă de tensiune </a:t>
-          </a:r>
-          <a:r>
-            <a:rPr lang="ro-RO" sz="2400" dirty="0" smtClean="0">
-              <a:solidFill>
-                <a:schemeClr val="bg1"/>
-              </a:solidFill>
-              <a:latin typeface="Arial" pitchFamily="34" charset="0"/>
-              <a:cs typeface="Arial" pitchFamily="34" charset="0"/>
-            </a:rPr>
-            <a:t>Extech 382280</a:t>
+            <a:t>ă de tensiune Extech 382280</a:t>
           </a:r>
           <a:endParaRPr lang="ro-RO" sz="2400" dirty="0">
             <a:solidFill>
@@ -12315,8 +12479,8 @@
   </dgm:ptLst>
   <dgm:cxnLst>
     <dgm:cxn modelId="{F533AE71-DE07-41A6-A878-49CC170848A4}" srcId="{83C9A1F1-8561-4839-83D8-886530A53D5F}" destId="{CEB1FCF4-9CC6-4DD1-B5D8-98D0E950FDA5}" srcOrd="3" destOrd="0" parTransId="{D1FF21EA-2E40-4F72-8D9D-34D9A0F52178}" sibTransId="{AEF6BFE3-D7D8-466A-8F80-771CE38BE7B8}"/>
+    <dgm:cxn modelId="{E29ECB38-4153-425B-8A7C-5E6A640C3F60}" type="presOf" srcId="{9F1864BB-308F-4DCF-BAEE-80B9640D65AB}" destId="{2A1B869B-EB11-407B-8D3D-59EC335CDEBE}" srcOrd="0" destOrd="1" presId="urn:microsoft.com/office/officeart/2005/8/layout/vList4"/>
     <dgm:cxn modelId="{B060D3BF-6668-4833-A4E7-49EAE2C77617}" type="presOf" srcId="{9F1864BB-308F-4DCF-BAEE-80B9640D65AB}" destId="{55E6F497-8505-450E-BB1F-A30221D201C5}" srcOrd="1" destOrd="1" presId="urn:microsoft.com/office/officeart/2005/8/layout/vList4"/>
-    <dgm:cxn modelId="{E29ECB38-4153-425B-8A7C-5E6A640C3F60}" type="presOf" srcId="{9F1864BB-308F-4DCF-BAEE-80B9640D65AB}" destId="{2A1B869B-EB11-407B-8D3D-59EC335CDEBE}" srcOrd="0" destOrd="1" presId="urn:microsoft.com/office/officeart/2005/8/layout/vList4"/>
     <dgm:cxn modelId="{13830710-0996-4DEF-B79A-6B3B2CA024B6}" type="presOf" srcId="{12FDD86D-3CE4-48A9-A53B-4CF881DE45D3}" destId="{5863823F-66DB-4D18-91E6-B0922D5E7336}" srcOrd="0" destOrd="1" presId="urn:microsoft.com/office/officeart/2005/8/layout/vList4"/>
     <dgm:cxn modelId="{B7CEA18A-B38F-46A6-BB09-62675B51F9BD}" type="presOf" srcId="{CEB1FCF4-9CC6-4DD1-B5D8-98D0E950FDA5}" destId="{2A1B869B-EB11-407B-8D3D-59EC335CDEBE}" srcOrd="0" destOrd="0" presId="urn:microsoft.com/office/officeart/2005/8/layout/vList4"/>
     <dgm:cxn modelId="{7E761199-4A09-4B14-9654-9922E69DACBF}" type="presOf" srcId="{78EC252F-08F1-41C8-96F1-54392ACB6711}" destId="{5863823F-66DB-4D18-91E6-B0922D5E7336}" srcOrd="0" destOrd="0" presId="urn:microsoft.com/office/officeart/2005/8/layout/vList4"/>
@@ -12498,6 +12662,13 @@
         </dgm:presLayoutVars>
       </dgm:prSet>
       <dgm:spPr/>
+      <dgm:t>
+        <a:bodyPr/>
+        <a:lstStyle/>
+        <a:p>
+          <a:endParaRPr lang="ro-RO"/>
+        </a:p>
+      </dgm:t>
     </dgm:pt>
     <dgm:pt modelId="{930514EC-E232-47F6-BD2A-2651D7EEF2BF}" type="pres">
       <dgm:prSet presAssocID="{053D75E7-20FA-4B7B-A465-AA44A129FE69}" presName="vertOne" presStyleCnt="0"/>
@@ -12551,11 +12722,11 @@
     </dgm:pt>
   </dgm:ptLst>
   <dgm:cxnLst>
+    <dgm:cxn modelId="{1AB2BF5E-0A70-4533-90C5-34CA1B61E3C6}" type="presOf" srcId="{95243417-4FA2-4D9A-8F73-CF98DC18FA2D}" destId="{D6E00771-878F-4CCB-92A2-20FE59688937}" srcOrd="0" destOrd="0" presId="urn:microsoft.com/office/officeart/2005/8/layout/hierarchy4"/>
     <dgm:cxn modelId="{78723232-1741-461B-A257-3B83F44494CE}" srcId="{053D75E7-20FA-4B7B-A465-AA44A129FE69}" destId="{95243417-4FA2-4D9A-8F73-CF98DC18FA2D}" srcOrd="0" destOrd="0" parTransId="{702EA2F1-4355-4C60-BD5B-3054FF2758F3}" sibTransId="{FDCE7F35-6255-41CA-8A2A-FCD215D17172}"/>
-    <dgm:cxn modelId="{1AB2BF5E-0A70-4533-90C5-34CA1B61E3C6}" type="presOf" srcId="{95243417-4FA2-4D9A-8F73-CF98DC18FA2D}" destId="{D6E00771-878F-4CCB-92A2-20FE59688937}" srcOrd="0" destOrd="0" presId="urn:microsoft.com/office/officeart/2005/8/layout/hierarchy4"/>
-    <dgm:cxn modelId="{549166B9-3EC8-4390-8768-9CA739A227A9}" type="presOf" srcId="{053D75E7-20FA-4B7B-A465-AA44A129FE69}" destId="{EDFD34BF-E31C-4B09-8A3B-604D8A6F8682}" srcOrd="0" destOrd="0" presId="urn:microsoft.com/office/officeart/2005/8/layout/hierarchy4"/>
     <dgm:cxn modelId="{47000BC4-DE34-45F8-842F-8422246264C3}" type="presOf" srcId="{438F589B-236F-41A3-930D-1195FC5EADD7}" destId="{D0B96BC5-D30D-4B07-B136-C0DA36357A8A}" srcOrd="0" destOrd="0" presId="urn:microsoft.com/office/officeart/2005/8/layout/hierarchy4"/>
     <dgm:cxn modelId="{A03D7916-7799-4614-B388-5746B605D65F}" srcId="{438F589B-236F-41A3-930D-1195FC5EADD7}" destId="{053D75E7-20FA-4B7B-A465-AA44A129FE69}" srcOrd="0" destOrd="0" parTransId="{52C59947-3D66-4B47-BCAB-F0EAFB4CD249}" sibTransId="{7204ABE0-4919-400D-ADB5-8CCF18532682}"/>
+    <dgm:cxn modelId="{549166B9-3EC8-4390-8768-9CA739A227A9}" type="presOf" srcId="{053D75E7-20FA-4B7B-A465-AA44A129FE69}" destId="{EDFD34BF-E31C-4B09-8A3B-604D8A6F8682}" srcOrd="0" destOrd="0" presId="urn:microsoft.com/office/officeart/2005/8/layout/hierarchy4"/>
     <dgm:cxn modelId="{709DB71A-CEDE-40F3-8B6C-8742A23FDDFB}" type="presParOf" srcId="{D0B96BC5-D30D-4B07-B136-C0DA36357A8A}" destId="{930514EC-E232-47F6-BD2A-2651D7EEF2BF}" srcOrd="0" destOrd="0" presId="urn:microsoft.com/office/officeart/2005/8/layout/hierarchy4"/>
     <dgm:cxn modelId="{A9CBB058-C200-4720-872F-5CFB415448E9}" type="presParOf" srcId="{930514EC-E232-47F6-BD2A-2651D7EEF2BF}" destId="{EDFD34BF-E31C-4B09-8A3B-604D8A6F8682}" srcOrd="0" destOrd="0" presId="urn:microsoft.com/office/officeart/2005/8/layout/hierarchy4"/>
     <dgm:cxn modelId="{52EA2C18-ED0B-4AC5-91F5-3144DA2E8AA4}" type="presParOf" srcId="{930514EC-E232-47F6-BD2A-2651D7EEF2BF}" destId="{82D4F8EC-A7D4-476C-A579-357AEB24A557}" srcOrd="1" destOrd="0" presId="urn:microsoft.com/office/officeart/2005/8/layout/hierarchy4"/>
@@ -12697,6 +12868,13 @@
         </dgm:presLayoutVars>
       </dgm:prSet>
       <dgm:spPr/>
+      <dgm:t>
+        <a:bodyPr/>
+        <a:lstStyle/>
+        <a:p>
+          <a:endParaRPr lang="ro-RO"/>
+        </a:p>
+      </dgm:t>
     </dgm:pt>
     <dgm:pt modelId="{930514EC-E232-47F6-BD2A-2651D7EEF2BF}" type="pres">
       <dgm:prSet presAssocID="{053D75E7-20FA-4B7B-A465-AA44A129FE69}" presName="vertOne" presStyleCnt="0"/>
@@ -12933,6 +13111,13 @@
         </dgm:presLayoutVars>
       </dgm:prSet>
       <dgm:spPr/>
+      <dgm:t>
+        <a:bodyPr/>
+        <a:lstStyle/>
+        <a:p>
+          <a:endParaRPr lang="ro-RO"/>
+        </a:p>
+      </dgm:t>
     </dgm:pt>
     <dgm:pt modelId="{3720D35E-53A4-442F-BE4C-1AF08820D625}" type="pres">
       <dgm:prSet presAssocID="{A6D0021C-88CC-452A-B1A8-440F918C4310}" presName="root" presStyleCnt="0"/>
@@ -12956,6 +13141,13 @@
     <dgm:pt modelId="{2B7EDB8F-E470-417E-ADA3-DEF1FF1C5F73}" type="pres">
       <dgm:prSet presAssocID="{A6D0021C-88CC-452A-B1A8-440F918C4310}" presName="rootConnector" presStyleLbl="node1" presStyleIdx="0" presStyleCnt="1"/>
       <dgm:spPr/>
+      <dgm:t>
+        <a:bodyPr/>
+        <a:lstStyle/>
+        <a:p>
+          <a:endParaRPr lang="ro-RO"/>
+        </a:p>
+      </dgm:t>
     </dgm:pt>
     <dgm:pt modelId="{83E3CD97-5D37-41F5-B7FF-940EB36517BC}" type="pres">
       <dgm:prSet presAssocID="{A6D0021C-88CC-452A-B1A8-440F918C4310}" presName="childShape" presStyleCnt="0"/>
@@ -12964,6 +13156,13 @@
     <dgm:pt modelId="{A5239B95-B55C-422D-B374-E9E34A9A4C6D}" type="pres">
       <dgm:prSet presAssocID="{B93AC54E-92D7-49AD-BA48-421FB608BE6E}" presName="Name13" presStyleLbl="parChTrans1D2" presStyleIdx="0" presStyleCnt="2"/>
       <dgm:spPr/>
+      <dgm:t>
+        <a:bodyPr/>
+        <a:lstStyle/>
+        <a:p>
+          <a:endParaRPr lang="ro-RO"/>
+        </a:p>
+      </dgm:t>
     </dgm:pt>
     <dgm:pt modelId="{55EBBC06-38BE-4711-8DF0-B9E70698473A}" type="pres">
       <dgm:prSet presAssocID="{42D8F0B5-9BEE-4176-ACA4-05710F2D1F09}" presName="childText" presStyleLbl="bgAcc1" presStyleIdx="0" presStyleCnt="2" custScaleX="188156">
@@ -12983,6 +13182,13 @@
     <dgm:pt modelId="{5BA4ED1C-6414-47D8-A7BE-2DD82585BDB7}" type="pres">
       <dgm:prSet presAssocID="{E42423E9-DA0C-4F36-8D4F-88CF8F145216}" presName="Name13" presStyleLbl="parChTrans1D2" presStyleIdx="1" presStyleCnt="2"/>
       <dgm:spPr/>
+      <dgm:t>
+        <a:bodyPr/>
+        <a:lstStyle/>
+        <a:p>
+          <a:endParaRPr lang="ro-RO"/>
+        </a:p>
+      </dgm:t>
     </dgm:pt>
     <dgm:pt modelId="{07F8B6CE-84C8-475E-8E30-5F5D5F18332B}" type="pres">
       <dgm:prSet presAssocID="{5DDFDF1D-D7B9-4453-B5DD-F1D786916044}" presName="childText" presStyleLbl="bgAcc1" presStyleIdx="1" presStyleCnt="2" custScaleX="187604">
@@ -12991,19 +13197,26 @@
         </dgm:presLayoutVars>
       </dgm:prSet>
       <dgm:spPr/>
+      <dgm:t>
+        <a:bodyPr/>
+        <a:lstStyle/>
+        <a:p>
+          <a:endParaRPr lang="ro-RO"/>
+        </a:p>
+      </dgm:t>
     </dgm:pt>
   </dgm:ptLst>
   <dgm:cxnLst>
+    <dgm:cxn modelId="{6668CAC1-0120-42A5-B602-48E8C3512037}" type="presOf" srcId="{A6D0021C-88CC-452A-B1A8-440F918C4310}" destId="{2B7EDB8F-E470-417E-ADA3-DEF1FF1C5F73}" srcOrd="1" destOrd="0" presId="urn:microsoft.com/office/officeart/2005/8/layout/hierarchy3"/>
+    <dgm:cxn modelId="{05C65B46-B0CC-4870-BAE9-B8C30E3BC6D1}" srcId="{07860597-A845-484F-900A-AE224FC2336C}" destId="{A6D0021C-88CC-452A-B1A8-440F918C4310}" srcOrd="0" destOrd="0" parTransId="{CF341B5B-C2B1-45EA-96E0-3810BFA05A7D}" sibTransId="{72C8745B-0EF7-4E9D-9A1D-99E9F97934B8}"/>
+    <dgm:cxn modelId="{CAEDBABE-F7E3-47F2-BA94-2813127461FF}" srcId="{A6D0021C-88CC-452A-B1A8-440F918C4310}" destId="{42D8F0B5-9BEE-4176-ACA4-05710F2D1F09}" srcOrd="0" destOrd="0" parTransId="{B93AC54E-92D7-49AD-BA48-421FB608BE6E}" sibTransId="{E05FE5CF-39EB-4AB4-8FC6-2D2FFAC7624C}"/>
     <dgm:cxn modelId="{0B56BAF3-AB9C-47D1-BA7A-4A3EEFCB962A}" srcId="{A6D0021C-88CC-452A-B1A8-440F918C4310}" destId="{5DDFDF1D-D7B9-4453-B5DD-F1D786916044}" srcOrd="1" destOrd="0" parTransId="{E42423E9-DA0C-4F36-8D4F-88CF8F145216}" sibTransId="{344E969E-5951-4AFE-8BFD-5FB9E7FB86E2}"/>
-    <dgm:cxn modelId="{CAEDBABE-F7E3-47F2-BA94-2813127461FF}" srcId="{A6D0021C-88CC-452A-B1A8-440F918C4310}" destId="{42D8F0B5-9BEE-4176-ACA4-05710F2D1F09}" srcOrd="0" destOrd="0" parTransId="{B93AC54E-92D7-49AD-BA48-421FB608BE6E}" sibTransId="{E05FE5CF-39EB-4AB4-8FC6-2D2FFAC7624C}"/>
-    <dgm:cxn modelId="{015431D9-F0FA-4BB2-8160-40395C55A198}" type="presOf" srcId="{E42423E9-DA0C-4F36-8D4F-88CF8F145216}" destId="{5BA4ED1C-6414-47D8-A7BE-2DD82585BDB7}" srcOrd="0" destOrd="0" presId="urn:microsoft.com/office/officeart/2005/8/layout/hierarchy3"/>
+    <dgm:cxn modelId="{E435A3E4-0F12-4C35-B86F-C3F0484293F8}" type="presOf" srcId="{07860597-A845-484F-900A-AE224FC2336C}" destId="{D3D5A0A5-94BA-436F-937C-3C308E87A6DE}" srcOrd="0" destOrd="0" presId="urn:microsoft.com/office/officeart/2005/8/layout/hierarchy3"/>
+    <dgm:cxn modelId="{B5364E6E-1D27-4E46-80CE-F0B0EE98B648}" type="presOf" srcId="{B93AC54E-92D7-49AD-BA48-421FB608BE6E}" destId="{A5239B95-B55C-422D-B374-E9E34A9A4C6D}" srcOrd="0" destOrd="0" presId="urn:microsoft.com/office/officeart/2005/8/layout/hierarchy3"/>
     <dgm:cxn modelId="{5F3AFF31-BD89-4212-BE5C-F1EC5FE94AEC}" type="presOf" srcId="{42D8F0B5-9BEE-4176-ACA4-05710F2D1F09}" destId="{55EBBC06-38BE-4711-8DF0-B9E70698473A}" srcOrd="0" destOrd="0" presId="urn:microsoft.com/office/officeart/2005/8/layout/hierarchy3"/>
     <dgm:cxn modelId="{067366C0-3348-4521-A578-14DC683E7612}" type="presOf" srcId="{5DDFDF1D-D7B9-4453-B5DD-F1D786916044}" destId="{07F8B6CE-84C8-475E-8E30-5F5D5F18332B}" srcOrd="0" destOrd="0" presId="urn:microsoft.com/office/officeart/2005/8/layout/hierarchy3"/>
+    <dgm:cxn modelId="{015431D9-F0FA-4BB2-8160-40395C55A198}" type="presOf" srcId="{E42423E9-DA0C-4F36-8D4F-88CF8F145216}" destId="{5BA4ED1C-6414-47D8-A7BE-2DD82585BDB7}" srcOrd="0" destOrd="0" presId="urn:microsoft.com/office/officeart/2005/8/layout/hierarchy3"/>
     <dgm:cxn modelId="{A4B03639-4503-47A0-9CA6-2565DE2D3B51}" type="presOf" srcId="{A6D0021C-88CC-452A-B1A8-440F918C4310}" destId="{DCC73780-DED5-46BA-ADBF-6072CCA3EFE6}" srcOrd="0" destOrd="0" presId="urn:microsoft.com/office/officeart/2005/8/layout/hierarchy3"/>
-    <dgm:cxn modelId="{E435A3E4-0F12-4C35-B86F-C3F0484293F8}" type="presOf" srcId="{07860597-A845-484F-900A-AE224FC2336C}" destId="{D3D5A0A5-94BA-436F-937C-3C308E87A6DE}" srcOrd="0" destOrd="0" presId="urn:microsoft.com/office/officeart/2005/8/layout/hierarchy3"/>
-    <dgm:cxn modelId="{B5364E6E-1D27-4E46-80CE-F0B0EE98B648}" type="presOf" srcId="{B93AC54E-92D7-49AD-BA48-421FB608BE6E}" destId="{A5239B95-B55C-422D-B374-E9E34A9A4C6D}" srcOrd="0" destOrd="0" presId="urn:microsoft.com/office/officeart/2005/8/layout/hierarchy3"/>
-    <dgm:cxn modelId="{6668CAC1-0120-42A5-B602-48E8C3512037}" type="presOf" srcId="{A6D0021C-88CC-452A-B1A8-440F918C4310}" destId="{2B7EDB8F-E470-417E-ADA3-DEF1FF1C5F73}" srcOrd="1" destOrd="0" presId="urn:microsoft.com/office/officeart/2005/8/layout/hierarchy3"/>
-    <dgm:cxn modelId="{05C65B46-B0CC-4870-BAE9-B8C30E3BC6D1}" srcId="{07860597-A845-484F-900A-AE224FC2336C}" destId="{A6D0021C-88CC-452A-B1A8-440F918C4310}" srcOrd="0" destOrd="0" parTransId="{CF341B5B-C2B1-45EA-96E0-3810BFA05A7D}" sibTransId="{72C8745B-0EF7-4E9D-9A1D-99E9F97934B8}"/>
     <dgm:cxn modelId="{AD57043A-8D38-4EDE-8AF7-622E8402D2D7}" type="presParOf" srcId="{D3D5A0A5-94BA-436F-937C-3C308E87A6DE}" destId="{3720D35E-53A4-442F-BE4C-1AF08820D625}" srcOrd="0" destOrd="0" presId="urn:microsoft.com/office/officeart/2005/8/layout/hierarchy3"/>
     <dgm:cxn modelId="{CB0CED2F-BAB5-4F9D-B8C5-A35F8B718415}" type="presParOf" srcId="{3720D35E-53A4-442F-BE4C-1AF08820D625}" destId="{3AB87393-734D-47C5-97CD-D97A4BD5B4ED}" srcOrd="0" destOrd="0" presId="urn:microsoft.com/office/officeart/2005/8/layout/hierarchy3"/>
     <dgm:cxn modelId="{EF1D12F8-F9DE-4085-B657-1F9495A15443}" type="presParOf" srcId="{3AB87393-734D-47C5-97CD-D97A4BD5B4ED}" destId="{DCC73780-DED5-46BA-ADBF-6072CCA3EFE6}" srcOrd="0" destOrd="0" presId="urn:microsoft.com/office/officeart/2005/8/layout/hierarchy3"/>
@@ -13227,6 +13440,13 @@
         </dgm:presLayoutVars>
       </dgm:prSet>
       <dgm:spPr/>
+      <dgm:t>
+        <a:bodyPr/>
+        <a:lstStyle/>
+        <a:p>
+          <a:endParaRPr lang="ro-RO"/>
+        </a:p>
+      </dgm:t>
     </dgm:pt>
     <dgm:pt modelId="{3720D35E-53A4-442F-BE4C-1AF08820D625}" type="pres">
       <dgm:prSet presAssocID="{A6D0021C-88CC-452A-B1A8-440F918C4310}" presName="root" presStyleCnt="0"/>
@@ -13250,6 +13470,13 @@
     <dgm:pt modelId="{2B7EDB8F-E470-417E-ADA3-DEF1FF1C5F73}" type="pres">
       <dgm:prSet presAssocID="{A6D0021C-88CC-452A-B1A8-440F918C4310}" presName="rootConnector" presStyleLbl="node1" presStyleIdx="0" presStyleCnt="1"/>
       <dgm:spPr/>
+      <dgm:t>
+        <a:bodyPr/>
+        <a:lstStyle/>
+        <a:p>
+          <a:endParaRPr lang="ro-RO"/>
+        </a:p>
+      </dgm:t>
     </dgm:pt>
     <dgm:pt modelId="{83E3CD97-5D37-41F5-B7FF-940EB36517BC}" type="pres">
       <dgm:prSet presAssocID="{A6D0021C-88CC-452A-B1A8-440F918C4310}" presName="childShape" presStyleCnt="0"/>
@@ -13258,6 +13485,13 @@
     <dgm:pt modelId="{A5239B95-B55C-422D-B374-E9E34A9A4C6D}" type="pres">
       <dgm:prSet presAssocID="{B93AC54E-92D7-49AD-BA48-421FB608BE6E}" presName="Name13" presStyleLbl="parChTrans1D2" presStyleIdx="0" presStyleCnt="3"/>
       <dgm:spPr/>
+      <dgm:t>
+        <a:bodyPr/>
+        <a:lstStyle/>
+        <a:p>
+          <a:endParaRPr lang="ro-RO"/>
+        </a:p>
+      </dgm:t>
     </dgm:pt>
     <dgm:pt modelId="{55EBBC06-38BE-4711-8DF0-B9E70698473A}" type="pres">
       <dgm:prSet presAssocID="{42D8F0B5-9BEE-4176-ACA4-05710F2D1F09}" presName="childText" presStyleLbl="bgAcc1" presStyleIdx="0" presStyleCnt="3" custScaleX="263027">
@@ -13277,6 +13511,13 @@
     <dgm:pt modelId="{5BA4ED1C-6414-47D8-A7BE-2DD82585BDB7}" type="pres">
       <dgm:prSet presAssocID="{E42423E9-DA0C-4F36-8D4F-88CF8F145216}" presName="Name13" presStyleLbl="parChTrans1D2" presStyleIdx="1" presStyleCnt="3"/>
       <dgm:spPr/>
+      <dgm:t>
+        <a:bodyPr/>
+        <a:lstStyle/>
+        <a:p>
+          <a:endParaRPr lang="ro-RO"/>
+        </a:p>
+      </dgm:t>
     </dgm:pt>
     <dgm:pt modelId="{07F8B6CE-84C8-475E-8E30-5F5D5F18332B}" type="pres">
       <dgm:prSet presAssocID="{5DDFDF1D-D7B9-4453-B5DD-F1D786916044}" presName="childText" presStyleLbl="bgAcc1" presStyleIdx="1" presStyleCnt="3" custScaleX="263882">
@@ -13285,10 +13526,24 @@
         </dgm:presLayoutVars>
       </dgm:prSet>
       <dgm:spPr/>
+      <dgm:t>
+        <a:bodyPr/>
+        <a:lstStyle/>
+        <a:p>
+          <a:endParaRPr lang="ro-RO"/>
+        </a:p>
+      </dgm:t>
     </dgm:pt>
     <dgm:pt modelId="{8C2C4503-ADC9-4DF8-ABEE-674EBD4A3C9C}" type="pres">
       <dgm:prSet presAssocID="{A7EF01BC-E04D-4A97-9786-7BC676899176}" presName="Name13" presStyleLbl="parChTrans1D2" presStyleIdx="2" presStyleCnt="3"/>
       <dgm:spPr/>
+      <dgm:t>
+        <a:bodyPr/>
+        <a:lstStyle/>
+        <a:p>
+          <a:endParaRPr lang="ro-RO"/>
+        </a:p>
+      </dgm:t>
     </dgm:pt>
     <dgm:pt modelId="{C003630E-4FB0-47C5-B042-7B10D3F88211}" type="pres">
       <dgm:prSet presAssocID="{67080EC7-3B95-4669-8DA0-4A2ABABC8748}" presName="childText" presStyleLbl="bgAcc1" presStyleIdx="2" presStyleCnt="3" custScaleX="263466">
@@ -13307,36 +13562,36 @@
     </dgm:pt>
   </dgm:ptLst>
   <dgm:cxnLst>
-    <dgm:cxn modelId="{EC2E2A7E-5F68-4447-AE38-1DA550E42F8E}" type="presOf" srcId="{E42423E9-DA0C-4F36-8D4F-88CF8F145216}" destId="{5BA4ED1C-6414-47D8-A7BE-2DD82585BDB7}" srcOrd="0" destOrd="0" presId="urn:microsoft.com/office/officeart/2005/8/layout/hierarchy3"/>
+    <dgm:cxn modelId="{20F7068D-114A-4F96-A00E-AF92665FA852}" type="presOf" srcId="{B93AC54E-92D7-49AD-BA48-421FB608BE6E}" destId="{A5239B95-B55C-422D-B374-E9E34A9A4C6D}" srcOrd="0" destOrd="0" presId="urn:microsoft.com/office/officeart/2005/8/layout/hierarchy3"/>
+    <dgm:cxn modelId="{7DE937FE-8155-468F-AEEC-1930B0AD70ED}" type="presOf" srcId="{5DDFDF1D-D7B9-4453-B5DD-F1D786916044}" destId="{07F8B6CE-84C8-475E-8E30-5F5D5F18332B}" srcOrd="0" destOrd="0" presId="urn:microsoft.com/office/officeart/2005/8/layout/hierarchy3"/>
+    <dgm:cxn modelId="{A6E65FFB-DFC9-48AE-9334-BA737364B4D9}" type="presOf" srcId="{E42423E9-DA0C-4F36-8D4F-88CF8F145216}" destId="{5BA4ED1C-6414-47D8-A7BE-2DD82585BDB7}" srcOrd="0" destOrd="0" presId="urn:microsoft.com/office/officeart/2005/8/layout/hierarchy3"/>
     <dgm:cxn modelId="{05C65B46-B0CC-4870-BAE9-B8C30E3BC6D1}" srcId="{07860597-A845-484F-900A-AE224FC2336C}" destId="{A6D0021C-88CC-452A-B1A8-440F918C4310}" srcOrd="0" destOrd="0" parTransId="{CF341B5B-C2B1-45EA-96E0-3810BFA05A7D}" sibTransId="{72C8745B-0EF7-4E9D-9A1D-99E9F97934B8}"/>
-    <dgm:cxn modelId="{71DE391E-B60B-4C61-A2A5-EF4CAF1858C6}" type="presOf" srcId="{07860597-A845-484F-900A-AE224FC2336C}" destId="{D3D5A0A5-94BA-436F-937C-3C308E87A6DE}" srcOrd="0" destOrd="0" presId="urn:microsoft.com/office/officeart/2005/8/layout/hierarchy3"/>
+    <dgm:cxn modelId="{DC99EA10-9E95-466E-A028-0AD1556EDF9E}" type="presOf" srcId="{A6D0021C-88CC-452A-B1A8-440F918C4310}" destId="{2B7EDB8F-E470-417E-ADA3-DEF1FF1C5F73}" srcOrd="1" destOrd="0" presId="urn:microsoft.com/office/officeart/2005/8/layout/hierarchy3"/>
+    <dgm:cxn modelId="{EC781792-5067-47EA-979D-98C453E37BCE}" type="presOf" srcId="{67080EC7-3B95-4669-8DA0-4A2ABABC8748}" destId="{C003630E-4FB0-47C5-B042-7B10D3F88211}" srcOrd="0" destOrd="0" presId="urn:microsoft.com/office/officeart/2005/8/layout/hierarchy3"/>
     <dgm:cxn modelId="{CAEDBABE-F7E3-47F2-BA94-2813127461FF}" srcId="{A6D0021C-88CC-452A-B1A8-440F918C4310}" destId="{42D8F0B5-9BEE-4176-ACA4-05710F2D1F09}" srcOrd="0" destOrd="0" parTransId="{B93AC54E-92D7-49AD-BA48-421FB608BE6E}" sibTransId="{E05FE5CF-39EB-4AB4-8FC6-2D2FFAC7624C}"/>
     <dgm:cxn modelId="{0B56BAF3-AB9C-47D1-BA7A-4A3EEFCB962A}" srcId="{A6D0021C-88CC-452A-B1A8-440F918C4310}" destId="{5DDFDF1D-D7B9-4453-B5DD-F1D786916044}" srcOrd="1" destOrd="0" parTransId="{E42423E9-DA0C-4F36-8D4F-88CF8F145216}" sibTransId="{344E969E-5951-4AFE-8BFD-5FB9E7FB86E2}"/>
-    <dgm:cxn modelId="{C33B0A08-03C5-4098-B31B-AED38E09EF0F}" type="presOf" srcId="{A7EF01BC-E04D-4A97-9786-7BC676899176}" destId="{8C2C4503-ADC9-4DF8-ABEE-674EBD4A3C9C}" srcOrd="0" destOrd="0" presId="urn:microsoft.com/office/officeart/2005/8/layout/hierarchy3"/>
-    <dgm:cxn modelId="{1F1A3789-361A-4D90-8748-EBE46341AF29}" type="presOf" srcId="{5DDFDF1D-D7B9-4453-B5DD-F1D786916044}" destId="{07F8B6CE-84C8-475E-8E30-5F5D5F18332B}" srcOrd="0" destOrd="0" presId="urn:microsoft.com/office/officeart/2005/8/layout/hierarchy3"/>
+    <dgm:cxn modelId="{570CE934-08E3-4C58-9F22-4EC1052750D2}" type="presOf" srcId="{A6D0021C-88CC-452A-B1A8-440F918C4310}" destId="{DCC73780-DED5-46BA-ADBF-6072CCA3EFE6}" srcOrd="0" destOrd="0" presId="urn:microsoft.com/office/officeart/2005/8/layout/hierarchy3"/>
+    <dgm:cxn modelId="{6CE9B55C-56FA-4D17-B357-74363E57B263}" type="presOf" srcId="{42D8F0B5-9BEE-4176-ACA4-05710F2D1F09}" destId="{55EBBC06-38BE-4711-8DF0-B9E70698473A}" srcOrd="0" destOrd="0" presId="urn:microsoft.com/office/officeart/2005/8/layout/hierarchy3"/>
     <dgm:cxn modelId="{842DB694-9FCA-4675-8ABD-4D6D445D3FEF}" srcId="{A6D0021C-88CC-452A-B1A8-440F918C4310}" destId="{67080EC7-3B95-4669-8DA0-4A2ABABC8748}" srcOrd="2" destOrd="0" parTransId="{A7EF01BC-E04D-4A97-9786-7BC676899176}" sibTransId="{03735CBC-FD44-41EE-8EFE-C733711C54DC}"/>
-    <dgm:cxn modelId="{B5F53370-DA40-45CB-BF85-6FBCE4BAA153}" type="presOf" srcId="{B93AC54E-92D7-49AD-BA48-421FB608BE6E}" destId="{A5239B95-B55C-422D-B374-E9E34A9A4C6D}" srcOrd="0" destOrd="0" presId="urn:microsoft.com/office/officeart/2005/8/layout/hierarchy3"/>
-    <dgm:cxn modelId="{0BB9536D-6EA1-4B70-AA1C-1095DA1BB8D5}" type="presOf" srcId="{67080EC7-3B95-4669-8DA0-4A2ABABC8748}" destId="{C003630E-4FB0-47C5-B042-7B10D3F88211}" srcOrd="0" destOrd="0" presId="urn:microsoft.com/office/officeart/2005/8/layout/hierarchy3"/>
-    <dgm:cxn modelId="{4E7D5D64-7121-425B-9773-48C29429711A}" type="presOf" srcId="{A6D0021C-88CC-452A-B1A8-440F918C4310}" destId="{2B7EDB8F-E470-417E-ADA3-DEF1FF1C5F73}" srcOrd="1" destOrd="0" presId="urn:microsoft.com/office/officeart/2005/8/layout/hierarchy3"/>
-    <dgm:cxn modelId="{A14A90D4-7545-494E-8CE1-EDF968EF42CE}" type="presOf" srcId="{42D8F0B5-9BEE-4176-ACA4-05710F2D1F09}" destId="{55EBBC06-38BE-4711-8DF0-B9E70698473A}" srcOrd="0" destOrd="0" presId="urn:microsoft.com/office/officeart/2005/8/layout/hierarchy3"/>
-    <dgm:cxn modelId="{71D6C137-6BA8-419A-9EC2-AE4A2046E6A7}" type="presOf" srcId="{A6D0021C-88CC-452A-B1A8-440F918C4310}" destId="{DCC73780-DED5-46BA-ADBF-6072CCA3EFE6}" srcOrd="0" destOrd="0" presId="urn:microsoft.com/office/officeart/2005/8/layout/hierarchy3"/>
-    <dgm:cxn modelId="{99430FF6-A615-4E24-B8D5-778CA8AAF050}" type="presParOf" srcId="{D3D5A0A5-94BA-436F-937C-3C308E87A6DE}" destId="{3720D35E-53A4-442F-BE4C-1AF08820D625}" srcOrd="0" destOrd="0" presId="urn:microsoft.com/office/officeart/2005/8/layout/hierarchy3"/>
-    <dgm:cxn modelId="{D290CD22-A308-48E8-869B-61FF0B0945CC}" type="presParOf" srcId="{3720D35E-53A4-442F-BE4C-1AF08820D625}" destId="{3AB87393-734D-47C5-97CD-D97A4BD5B4ED}" srcOrd="0" destOrd="0" presId="urn:microsoft.com/office/officeart/2005/8/layout/hierarchy3"/>
-    <dgm:cxn modelId="{1D2C10DE-84EE-4C8C-BB5B-4E7F8041CB29}" type="presParOf" srcId="{3AB87393-734D-47C5-97CD-D97A4BD5B4ED}" destId="{DCC73780-DED5-46BA-ADBF-6072CCA3EFE6}" srcOrd="0" destOrd="0" presId="urn:microsoft.com/office/officeart/2005/8/layout/hierarchy3"/>
-    <dgm:cxn modelId="{783E2938-9036-4F71-BB35-BCCFEC24698C}" type="presParOf" srcId="{3AB87393-734D-47C5-97CD-D97A4BD5B4ED}" destId="{2B7EDB8F-E470-417E-ADA3-DEF1FF1C5F73}" srcOrd="1" destOrd="0" presId="urn:microsoft.com/office/officeart/2005/8/layout/hierarchy3"/>
-    <dgm:cxn modelId="{740B04FC-3F79-405C-A83E-8E0F53DEA524}" type="presParOf" srcId="{3720D35E-53A4-442F-BE4C-1AF08820D625}" destId="{83E3CD97-5D37-41F5-B7FF-940EB36517BC}" srcOrd="1" destOrd="0" presId="urn:microsoft.com/office/officeart/2005/8/layout/hierarchy3"/>
-    <dgm:cxn modelId="{36E11865-E0F1-4F7D-A135-0859B954666C}" type="presParOf" srcId="{83E3CD97-5D37-41F5-B7FF-940EB36517BC}" destId="{A5239B95-B55C-422D-B374-E9E34A9A4C6D}" srcOrd="0" destOrd="0" presId="urn:microsoft.com/office/officeart/2005/8/layout/hierarchy3"/>
-    <dgm:cxn modelId="{B8E15F15-AFB4-4C9D-B491-855F14604EC0}" type="presParOf" srcId="{83E3CD97-5D37-41F5-B7FF-940EB36517BC}" destId="{55EBBC06-38BE-4711-8DF0-B9E70698473A}" srcOrd="1" destOrd="0" presId="urn:microsoft.com/office/officeart/2005/8/layout/hierarchy3"/>
-    <dgm:cxn modelId="{3A22154F-D629-43BE-852E-62217D9DF05D}" type="presParOf" srcId="{83E3CD97-5D37-41F5-B7FF-940EB36517BC}" destId="{5BA4ED1C-6414-47D8-A7BE-2DD82585BDB7}" srcOrd="2" destOrd="0" presId="urn:microsoft.com/office/officeart/2005/8/layout/hierarchy3"/>
-    <dgm:cxn modelId="{706B8D6E-48D0-4FC9-93AF-98535DEB7F3A}" type="presParOf" srcId="{83E3CD97-5D37-41F5-B7FF-940EB36517BC}" destId="{07F8B6CE-84C8-475E-8E30-5F5D5F18332B}" srcOrd="3" destOrd="0" presId="urn:microsoft.com/office/officeart/2005/8/layout/hierarchy3"/>
-    <dgm:cxn modelId="{B61FF9AA-62A8-4DA5-805A-482B8C75F916}" type="presParOf" srcId="{83E3CD97-5D37-41F5-B7FF-940EB36517BC}" destId="{8C2C4503-ADC9-4DF8-ABEE-674EBD4A3C9C}" srcOrd="4" destOrd="0" presId="urn:microsoft.com/office/officeart/2005/8/layout/hierarchy3"/>
-    <dgm:cxn modelId="{62D04888-1E58-44EA-83D0-AC68BBF18232}" type="presParOf" srcId="{83E3CD97-5D37-41F5-B7FF-940EB36517BC}" destId="{C003630E-4FB0-47C5-B042-7B10D3F88211}" srcOrd="5" destOrd="0" presId="urn:microsoft.com/office/officeart/2005/8/layout/hierarchy3"/>
+    <dgm:cxn modelId="{2E831E97-B157-4374-95FC-1A24D1DD4354}" type="presOf" srcId="{A7EF01BC-E04D-4A97-9786-7BC676899176}" destId="{8C2C4503-ADC9-4DF8-ABEE-674EBD4A3C9C}" srcOrd="0" destOrd="0" presId="urn:microsoft.com/office/officeart/2005/8/layout/hierarchy3"/>
+    <dgm:cxn modelId="{B74089D0-9E6E-40C2-BCA2-7972A4A2538C}" type="presOf" srcId="{07860597-A845-484F-900A-AE224FC2336C}" destId="{D3D5A0A5-94BA-436F-937C-3C308E87A6DE}" srcOrd="0" destOrd="0" presId="urn:microsoft.com/office/officeart/2005/8/layout/hierarchy3"/>
+    <dgm:cxn modelId="{2D237B32-3076-4D30-A18D-AE0EEFF645CC}" type="presParOf" srcId="{D3D5A0A5-94BA-436F-937C-3C308E87A6DE}" destId="{3720D35E-53A4-442F-BE4C-1AF08820D625}" srcOrd="0" destOrd="0" presId="urn:microsoft.com/office/officeart/2005/8/layout/hierarchy3"/>
+    <dgm:cxn modelId="{D89D3141-E4EE-49C5-AC40-1E3CDD48F9B0}" type="presParOf" srcId="{3720D35E-53A4-442F-BE4C-1AF08820D625}" destId="{3AB87393-734D-47C5-97CD-D97A4BD5B4ED}" srcOrd="0" destOrd="0" presId="urn:microsoft.com/office/officeart/2005/8/layout/hierarchy3"/>
+    <dgm:cxn modelId="{6F94E230-3AEA-4C63-8353-AAAA35390C87}" type="presParOf" srcId="{3AB87393-734D-47C5-97CD-D97A4BD5B4ED}" destId="{DCC73780-DED5-46BA-ADBF-6072CCA3EFE6}" srcOrd="0" destOrd="0" presId="urn:microsoft.com/office/officeart/2005/8/layout/hierarchy3"/>
+    <dgm:cxn modelId="{E7FEA9B1-EBE1-49E7-825C-D43E8100EDF7}" type="presParOf" srcId="{3AB87393-734D-47C5-97CD-D97A4BD5B4ED}" destId="{2B7EDB8F-E470-417E-ADA3-DEF1FF1C5F73}" srcOrd="1" destOrd="0" presId="urn:microsoft.com/office/officeart/2005/8/layout/hierarchy3"/>
+    <dgm:cxn modelId="{A348DFF1-9F5F-4739-8B31-D96CDCD207A5}" type="presParOf" srcId="{3720D35E-53A4-442F-BE4C-1AF08820D625}" destId="{83E3CD97-5D37-41F5-B7FF-940EB36517BC}" srcOrd="1" destOrd="0" presId="urn:microsoft.com/office/officeart/2005/8/layout/hierarchy3"/>
+    <dgm:cxn modelId="{8C4A7EE7-B069-409F-A9E7-B577E56A897B}" type="presParOf" srcId="{83E3CD97-5D37-41F5-B7FF-940EB36517BC}" destId="{A5239B95-B55C-422D-B374-E9E34A9A4C6D}" srcOrd="0" destOrd="0" presId="urn:microsoft.com/office/officeart/2005/8/layout/hierarchy3"/>
+    <dgm:cxn modelId="{1DA2B601-31BB-4224-A317-4A1AA50BCA2A}" type="presParOf" srcId="{83E3CD97-5D37-41F5-B7FF-940EB36517BC}" destId="{55EBBC06-38BE-4711-8DF0-B9E70698473A}" srcOrd="1" destOrd="0" presId="urn:microsoft.com/office/officeart/2005/8/layout/hierarchy3"/>
+    <dgm:cxn modelId="{ED3261C4-E8C1-4AEF-9D91-4A80F81B2AFE}" type="presParOf" srcId="{83E3CD97-5D37-41F5-B7FF-940EB36517BC}" destId="{5BA4ED1C-6414-47D8-A7BE-2DD82585BDB7}" srcOrd="2" destOrd="0" presId="urn:microsoft.com/office/officeart/2005/8/layout/hierarchy3"/>
+    <dgm:cxn modelId="{CBC15289-E9C2-4B6F-8C57-D3FB6A406B19}" type="presParOf" srcId="{83E3CD97-5D37-41F5-B7FF-940EB36517BC}" destId="{07F8B6CE-84C8-475E-8E30-5F5D5F18332B}" srcOrd="3" destOrd="0" presId="urn:microsoft.com/office/officeart/2005/8/layout/hierarchy3"/>
+    <dgm:cxn modelId="{6489AAB0-966A-476F-9B5B-1C68131016A1}" type="presParOf" srcId="{83E3CD97-5D37-41F5-B7FF-940EB36517BC}" destId="{8C2C4503-ADC9-4DF8-ABEE-674EBD4A3C9C}" srcOrd="4" destOrd="0" presId="urn:microsoft.com/office/officeart/2005/8/layout/hierarchy3"/>
+    <dgm:cxn modelId="{E127EF3A-3A1C-43CB-9D4C-11A54DEF1C75}" type="presParOf" srcId="{83E3CD97-5D37-41F5-B7FF-940EB36517BC}" destId="{C003630E-4FB0-47C5-B042-7B10D3F88211}" srcOrd="5" destOrd="0" presId="urn:microsoft.com/office/officeart/2005/8/layout/hierarchy3"/>
   </dgm:cxnLst>
   <dgm:bg/>
   <dgm:whole/>
   <dgm:extLst>
     <a:ext uri="http://schemas.microsoft.com/office/drawing/2008/diagram">
-      <dsp:dataModelExt xmlns:dsp="http://schemas.microsoft.com/office/drawing/2008/diagram" xmlns="" relId="rId6" minVer="http://schemas.openxmlformats.org/drawingml/2006/diagram"/>
+      <dsp:dataModelExt xmlns:dsp="http://schemas.microsoft.com/office/drawing/2008/diagram" xmlns="" relId="rId11" minVer="http://schemas.openxmlformats.org/drawingml/2006/diagram"/>
     </a:ext>
   </dgm:extLst>
 </dgm:dataModel>
@@ -13588,6 +13843,13 @@
         </dgm:presLayoutVars>
       </dgm:prSet>
       <dgm:spPr/>
+      <dgm:t>
+        <a:bodyPr/>
+        <a:lstStyle/>
+        <a:p>
+          <a:endParaRPr lang="ro-RO"/>
+        </a:p>
+      </dgm:t>
     </dgm:pt>
     <dgm:pt modelId="{3720D35E-53A4-442F-BE4C-1AF08820D625}" type="pres">
       <dgm:prSet presAssocID="{A6D0021C-88CC-452A-B1A8-440F918C4310}" presName="root" presStyleCnt="0"/>
@@ -13598,7 +13860,7 @@
       <dgm:spPr/>
     </dgm:pt>
     <dgm:pt modelId="{DCC73780-DED5-46BA-ADBF-6072CCA3EFE6}" type="pres">
-      <dgm:prSet presAssocID="{A6D0021C-88CC-452A-B1A8-440F918C4310}" presName="rootText" presStyleLbl="node1" presStyleIdx="0" presStyleCnt="1" custScaleX="222543"/>
+      <dgm:prSet presAssocID="{A6D0021C-88CC-452A-B1A8-440F918C4310}" presName="rootText" presStyleLbl="node1" presStyleIdx="0" presStyleCnt="1" custScaleX="222543" custLinFactNeighborX="6737"/>
       <dgm:spPr/>
       <dgm:t>
         <a:bodyPr/>
@@ -13611,6 +13873,13 @@
     <dgm:pt modelId="{2B7EDB8F-E470-417E-ADA3-DEF1FF1C5F73}" type="pres">
       <dgm:prSet presAssocID="{A6D0021C-88CC-452A-B1A8-440F918C4310}" presName="rootConnector" presStyleLbl="node1" presStyleIdx="0" presStyleCnt="1"/>
       <dgm:spPr/>
+      <dgm:t>
+        <a:bodyPr/>
+        <a:lstStyle/>
+        <a:p>
+          <a:endParaRPr lang="ro-RO"/>
+        </a:p>
+      </dgm:t>
     </dgm:pt>
     <dgm:pt modelId="{83E3CD97-5D37-41F5-B7FF-940EB36517BC}" type="pres">
       <dgm:prSet presAssocID="{A6D0021C-88CC-452A-B1A8-440F918C4310}" presName="childShape" presStyleCnt="0"/>
@@ -13619,6 +13888,13 @@
     <dgm:pt modelId="{A5239B95-B55C-422D-B374-E9E34A9A4C6D}" type="pres">
       <dgm:prSet presAssocID="{B93AC54E-92D7-49AD-BA48-421FB608BE6E}" presName="Name13" presStyleLbl="parChTrans1D2" presStyleIdx="0" presStyleCnt="4"/>
       <dgm:spPr/>
+      <dgm:t>
+        <a:bodyPr/>
+        <a:lstStyle/>
+        <a:p>
+          <a:endParaRPr lang="ro-RO"/>
+        </a:p>
+      </dgm:t>
     </dgm:pt>
     <dgm:pt modelId="{55EBBC06-38BE-4711-8DF0-B9E70698473A}" type="pres">
       <dgm:prSet presAssocID="{42D8F0B5-9BEE-4176-ACA4-05710F2D1F09}" presName="childText" presStyleLbl="bgAcc1" presStyleIdx="0" presStyleCnt="4" custScaleX="319949">
@@ -13638,6 +13914,13 @@
     <dgm:pt modelId="{5BA4ED1C-6414-47D8-A7BE-2DD82585BDB7}" type="pres">
       <dgm:prSet presAssocID="{E42423E9-DA0C-4F36-8D4F-88CF8F145216}" presName="Name13" presStyleLbl="parChTrans1D2" presStyleIdx="1" presStyleCnt="4"/>
       <dgm:spPr/>
+      <dgm:t>
+        <a:bodyPr/>
+        <a:lstStyle/>
+        <a:p>
+          <a:endParaRPr lang="ro-RO"/>
+        </a:p>
+      </dgm:t>
     </dgm:pt>
     <dgm:pt modelId="{07F8B6CE-84C8-475E-8E30-5F5D5F18332B}" type="pres">
       <dgm:prSet presAssocID="{5DDFDF1D-D7B9-4453-B5DD-F1D786916044}" presName="childText" presStyleLbl="bgAcc1" presStyleIdx="1" presStyleCnt="4" custScaleX="316867">
@@ -13657,6 +13940,13 @@
     <dgm:pt modelId="{8C2C4503-ADC9-4DF8-ABEE-674EBD4A3C9C}" type="pres">
       <dgm:prSet presAssocID="{A7EF01BC-E04D-4A97-9786-7BC676899176}" presName="Name13" presStyleLbl="parChTrans1D2" presStyleIdx="2" presStyleCnt="4"/>
       <dgm:spPr/>
+      <dgm:t>
+        <a:bodyPr/>
+        <a:lstStyle/>
+        <a:p>
+          <a:endParaRPr lang="ro-RO"/>
+        </a:p>
+      </dgm:t>
     </dgm:pt>
     <dgm:pt modelId="{C003630E-4FB0-47C5-B042-7B10D3F88211}" type="pres">
       <dgm:prSet presAssocID="{67080EC7-3B95-4669-8DA0-4A2ABABC8748}" presName="childText" presStyleLbl="bgAcc1" presStyleIdx="2" presStyleCnt="4" custScaleX="319093">
@@ -13676,6 +13966,13 @@
     <dgm:pt modelId="{FE131BAC-5F75-4676-AC17-364927A6D5C9}" type="pres">
       <dgm:prSet presAssocID="{7CB74643-5772-4C90-A6ED-2BA53066B5FF}" presName="Name13" presStyleLbl="parChTrans1D2" presStyleIdx="3" presStyleCnt="4"/>
       <dgm:spPr/>
+      <dgm:t>
+        <a:bodyPr/>
+        <a:lstStyle/>
+        <a:p>
+          <a:endParaRPr lang="ro-RO"/>
+        </a:p>
+      </dgm:t>
     </dgm:pt>
     <dgm:pt modelId="{FB0D209E-9C59-4DE5-A10A-79736E6E5753}" type="pres">
       <dgm:prSet presAssocID="{F1CEDE42-F7BC-481F-8160-4182E5881F34}" presName="childText" presStyleLbl="bgAcc1" presStyleIdx="3" presStyleCnt="4" custScaleX="316040">
@@ -13684,6 +13981,13 @@
         </dgm:presLayoutVars>
       </dgm:prSet>
       <dgm:spPr/>
+      <dgm:t>
+        <a:bodyPr/>
+        <a:lstStyle/>
+        <a:p>
+          <a:endParaRPr lang="ro-RO"/>
+        </a:p>
+      </dgm:t>
     </dgm:pt>
   </dgm:ptLst>
   <dgm:cxnLst>
@@ -14478,13 +14782,6 @@
             </a:rPr>
             <a:t>Frecarea cu suprafața</a:t>
           </a:r>
-          <a:endParaRPr lang="ro-RO" sz="2800" kern="1200" dirty="0" smtClean="0">
-            <a:solidFill>
-              <a:schemeClr val="bg1"/>
-            </a:solidFill>
-            <a:latin typeface="Arial" pitchFamily="34" charset="0"/>
-            <a:cs typeface="Arial" pitchFamily="34" charset="0"/>
-          </a:endParaRPr>
         </a:p>
       </dsp:txBody>
       <dsp:txXfrm>
@@ -15924,7 +16221,7 @@
       <dsp:spPr>
         <a:xfrm>
           <a:off x="5563031" y="861952"/>
-          <a:ext cx="480766" cy="778260"/>
+          <a:ext cx="480766" cy="718558"/>
         </a:xfrm>
         <a:custGeom>
           <a:avLst/>
@@ -15938,10 +16235,10 @@
                 <a:pt x="0" y="0"/>
               </a:moveTo>
               <a:lnTo>
-                <a:pt x="0" y="778260"/>
+                <a:pt x="0" y="718558"/>
               </a:lnTo>
               <a:lnTo>
-                <a:pt x="480766" y="778260"/>
+                <a:pt x="480766" y="718558"/>
               </a:lnTo>
             </a:path>
           </a:pathLst>
@@ -15982,7 +16279,7 @@
       <dsp:spPr>
         <a:xfrm>
           <a:off x="6043798" y="1076893"/>
-          <a:ext cx="3436831" cy="1126640"/>
+          <a:ext cx="3633847" cy="1007236"/>
         </a:xfrm>
         <a:prstGeom prst="roundRect">
           <a:avLst>
@@ -16024,7 +16321,7 @@
         <a:fontRef idx="minor"/>
       </dsp:style>
       <dsp:txBody>
-        <a:bodyPr spcFirstLastPara="0" vert="horz" wrap="square" lIns="45720" tIns="30480" rIns="45720" bIns="30480" numCol="1" spcCol="1270" anchor="ctr" anchorCtr="0">
+        <a:bodyPr spcFirstLastPara="0" vert="horz" wrap="square" lIns="45720" tIns="30480" rIns="45720" bIns="30480" numCol="1" spcCol="1270" anchor="t" anchorCtr="0">
           <a:noAutofit/>
         </a:bodyPr>
         <a:lstStyle/>
@@ -16045,9 +16342,98 @@
               <a:latin typeface="Arial" pitchFamily="34" charset="0"/>
               <a:cs typeface="Arial" pitchFamily="34" charset="0"/>
             </a:rPr>
-            <a:t>Capacitatea de a reproduce toate mișcările robotului</a:t>
+            <a:t>Capacitatea de </a:t>
+          </a:r>
+          <a:r>
+            <a:rPr lang="ro-RO" sz="2400" kern="1200" dirty="0" smtClean="0">
+              <a:latin typeface="Arial" pitchFamily="34" charset="0"/>
+              <a:cs typeface="Arial" pitchFamily="34" charset="0"/>
+            </a:rPr>
+            <a:t>a reproduce mișcările robotului</a:t>
+          </a:r>
+          <a:r>
+            <a:rPr lang="en-US" sz="2400" kern="1200" dirty="0" smtClean="0">
+              <a:latin typeface="Arial" pitchFamily="34" charset="0"/>
+              <a:cs typeface="Arial" pitchFamily="34" charset="0"/>
+            </a:rPr>
+            <a:t>:</a:t>
           </a:r>
           <a:endParaRPr lang="ro-RO" sz="2400" kern="1200" dirty="0">
+            <a:latin typeface="Arial" pitchFamily="34" charset="0"/>
+            <a:cs typeface="Arial" pitchFamily="34" charset="0"/>
+          </a:endParaRPr>
+        </a:p>
+        <a:p>
+          <a:pPr marL="228600" lvl="1" indent="-228600" algn="l" defTabSz="889000">
+            <a:lnSpc>
+              <a:spcPct val="90000"/>
+            </a:lnSpc>
+            <a:spcBef>
+              <a:spcPct val="0"/>
+            </a:spcBef>
+            <a:spcAft>
+              <a:spcPct val="15000"/>
+            </a:spcAft>
+            <a:buChar char="••"/>
+          </a:pPr>
+          <a:r>
+            <a:rPr lang="ro-RO" sz="2000" kern="1200" dirty="0" smtClean="0">
+              <a:latin typeface="Arial" pitchFamily="34" charset="0"/>
+              <a:cs typeface="Arial" pitchFamily="34" charset="0"/>
+            </a:rPr>
+            <a:t>Deplasare în față/spate</a:t>
+          </a:r>
+          <a:endParaRPr lang="ro-RO" sz="2000" kern="1200" dirty="0">
+            <a:latin typeface="Arial" pitchFamily="34" charset="0"/>
+            <a:cs typeface="Arial" pitchFamily="34" charset="0"/>
+          </a:endParaRPr>
+        </a:p>
+        <a:p>
+          <a:pPr marL="228600" lvl="1" indent="-228600" algn="l" defTabSz="889000">
+            <a:lnSpc>
+              <a:spcPct val="90000"/>
+            </a:lnSpc>
+            <a:spcBef>
+              <a:spcPct val="0"/>
+            </a:spcBef>
+            <a:spcAft>
+              <a:spcPct val="15000"/>
+            </a:spcAft>
+            <a:buChar char="••"/>
+          </a:pPr>
+          <a:r>
+            <a:rPr lang="ro-RO" sz="2000" kern="1200" dirty="0" smtClean="0">
+              <a:latin typeface="Arial" pitchFamily="34" charset="0"/>
+              <a:cs typeface="Arial" pitchFamily="34" charset="0"/>
+            </a:rPr>
+            <a:t>Întoarcere la stânga/dreapta</a:t>
+          </a:r>
+          <a:endParaRPr lang="ro-RO" sz="2000" kern="1200" dirty="0">
+            <a:latin typeface="Arial" pitchFamily="34" charset="0"/>
+            <a:cs typeface="Arial" pitchFamily="34" charset="0"/>
+          </a:endParaRPr>
+        </a:p>
+        <a:p>
+          <a:pPr marL="228600" lvl="1" indent="-228600" algn="l" defTabSz="889000">
+            <a:lnSpc>
+              <a:spcPct val="90000"/>
+            </a:lnSpc>
+            <a:spcBef>
+              <a:spcPct val="0"/>
+            </a:spcBef>
+            <a:spcAft>
+              <a:spcPct val="15000"/>
+            </a:spcAft>
+            <a:buChar char="••"/>
+          </a:pPr>
+          <a:r>
+            <a:rPr lang="ro-RO" sz="2000" kern="1200" dirty="0" smtClean="0">
+              <a:latin typeface="Arial" pitchFamily="34" charset="0"/>
+              <a:cs typeface="Arial" pitchFamily="34" charset="0"/>
+            </a:rPr>
+            <a:t>Șut cu piciorul stâng/drept</a:t>
+          </a:r>
+          <a:endParaRPr lang="ro-RO" sz="2000" kern="1200" dirty="0">
             <a:latin typeface="Arial" pitchFamily="34" charset="0"/>
             <a:cs typeface="Arial" pitchFamily="34" charset="0"/>
           </a:endParaRPr>
@@ -16055,7 +16441,7 @@
       </dsp:txBody>
       <dsp:txXfrm>
         <a:off x="6043798" y="1076893"/>
-        <a:ext cx="3436831" cy="1126640"/>
+        <a:ext cx="3633847" cy="1007236"/>
       </dsp:txXfrm>
     </dsp:sp>
   </dsp:spTree>
@@ -17305,17 +17691,7 @@
               <a:latin typeface="Arial" pitchFamily="34" charset="0"/>
               <a:cs typeface="Arial" pitchFamily="34" charset="0"/>
             </a:rPr>
-            <a:t>ă de tensiune </a:t>
-          </a:r>
-          <a:r>
-            <a:rPr lang="ro-RO" sz="2400" kern="1200" dirty="0" smtClean="0">
-              <a:solidFill>
-                <a:schemeClr val="bg1"/>
-              </a:solidFill>
-              <a:latin typeface="Arial" pitchFamily="34" charset="0"/>
-              <a:cs typeface="Arial" pitchFamily="34" charset="0"/>
-            </a:rPr>
-            <a:t>Extech 382280</a:t>
+            <a:t>ă de tensiune Extech 382280</a:t>
           </a:r>
           <a:endParaRPr lang="ro-RO" sz="2400" kern="1200" dirty="0">
             <a:solidFill>
@@ -18203,8 +18579,8 @@
       </dsp:nvSpPr>
       <dsp:spPr>
         <a:xfrm>
-          <a:off x="533401" y="118"/>
-          <a:ext cx="3318444" cy="745573"/>
+          <a:off x="533053" y="1270"/>
+          <a:ext cx="3316285" cy="745088"/>
         </a:xfrm>
         <a:prstGeom prst="roundRect">
           <a:avLst>
@@ -18283,8 +18659,8 @@
         </a:p>
       </dsp:txBody>
       <dsp:txXfrm>
-        <a:off x="533401" y="118"/>
-        <a:ext cx="3318444" cy="745573"/>
+        <a:off x="533053" y="1270"/>
+        <a:ext cx="3316285" cy="745088"/>
       </dsp:txXfrm>
     </dsp:sp>
     <dsp:sp modelId="{A5239B95-B55C-422D-B374-E9E34A9A4C6D}">
@@ -18294,8 +18670,8 @@
       </dsp:nvSpPr>
       <dsp:spPr>
         <a:xfrm>
-          <a:off x="865245" y="745692"/>
-          <a:ext cx="331844" cy="559180"/>
+          <a:off x="864682" y="746359"/>
+          <a:ext cx="331628" cy="558816"/>
         </a:xfrm>
         <a:custGeom>
           <a:avLst/>
@@ -18309,10 +18685,10 @@
                 <a:pt x="0" y="0"/>
               </a:moveTo>
               <a:lnTo>
-                <a:pt x="0" y="559180"/>
+                <a:pt x="0" y="558816"/>
               </a:lnTo>
               <a:lnTo>
-                <a:pt x="331844" y="559180"/>
+                <a:pt x="331628" y="558816"/>
               </a:lnTo>
             </a:path>
           </a:pathLst>
@@ -18352,8 +18728,8 @@
       </dsp:nvSpPr>
       <dsp:spPr>
         <a:xfrm>
-          <a:off x="1197089" y="932085"/>
-          <a:ext cx="3137696" cy="745573"/>
+          <a:off x="1196311" y="932631"/>
+          <a:ext cx="3135655" cy="745088"/>
         </a:xfrm>
         <a:prstGeom prst="roundRect">
           <a:avLst>
@@ -18425,8 +18801,8 @@
         </a:p>
       </dsp:txBody>
       <dsp:txXfrm>
-        <a:off x="1197089" y="932085"/>
-        <a:ext cx="3137696" cy="745573"/>
+        <a:off x="1196311" y="932631"/>
+        <a:ext cx="3135655" cy="745088"/>
       </dsp:txXfrm>
     </dsp:sp>
     <dsp:sp modelId="{5BA4ED1C-6414-47D8-A7BE-2DD82585BDB7}">
@@ -18436,8 +18812,8 @@
       </dsp:nvSpPr>
       <dsp:spPr>
         <a:xfrm>
-          <a:off x="865245" y="745692"/>
-          <a:ext cx="331844" cy="1491147"/>
+          <a:off x="864682" y="746359"/>
+          <a:ext cx="331628" cy="1490177"/>
         </a:xfrm>
         <a:custGeom>
           <a:avLst/>
@@ -18451,10 +18827,10 @@
                 <a:pt x="0" y="0"/>
               </a:moveTo>
               <a:lnTo>
-                <a:pt x="0" y="1491147"/>
+                <a:pt x="0" y="1490177"/>
               </a:lnTo>
               <a:lnTo>
-                <a:pt x="331844" y="1491147"/>
+                <a:pt x="331628" y="1490177"/>
               </a:lnTo>
             </a:path>
           </a:pathLst>
@@ -18494,8 +18870,8 @@
       </dsp:nvSpPr>
       <dsp:spPr>
         <a:xfrm>
-          <a:off x="1197089" y="1864052"/>
-          <a:ext cx="3147896" cy="745573"/>
+          <a:off x="1196311" y="1863992"/>
+          <a:ext cx="3145847" cy="745088"/>
         </a:xfrm>
         <a:prstGeom prst="roundRect">
           <a:avLst>
@@ -18567,8 +18943,8 @@
         </a:p>
       </dsp:txBody>
       <dsp:txXfrm>
-        <a:off x="1197089" y="1864052"/>
-        <a:ext cx="3147896" cy="745573"/>
+        <a:off x="1196311" y="1863992"/>
+        <a:ext cx="3145847" cy="745088"/>
       </dsp:txXfrm>
     </dsp:sp>
     <dsp:sp modelId="{8C2C4503-ADC9-4DF8-ABEE-674EBD4A3C9C}">
@@ -18578,8 +18954,8 @@
       </dsp:nvSpPr>
       <dsp:spPr>
         <a:xfrm>
-          <a:off x="865245" y="745692"/>
-          <a:ext cx="331844" cy="2423114"/>
+          <a:off x="864682" y="746359"/>
+          <a:ext cx="331628" cy="2421538"/>
         </a:xfrm>
         <a:custGeom>
           <a:avLst/>
@@ -18593,10 +18969,10 @@
                 <a:pt x="0" y="0"/>
               </a:moveTo>
               <a:lnTo>
-                <a:pt x="0" y="2423114"/>
+                <a:pt x="0" y="2421538"/>
               </a:lnTo>
               <a:lnTo>
-                <a:pt x="331844" y="2423114"/>
+                <a:pt x="331628" y="2421538"/>
               </a:lnTo>
             </a:path>
           </a:pathLst>
@@ -18636,8 +19012,8 @@
       </dsp:nvSpPr>
       <dsp:spPr>
         <a:xfrm>
-          <a:off x="1197089" y="2796019"/>
-          <a:ext cx="3142933" cy="745573"/>
+          <a:off x="1196311" y="2795352"/>
+          <a:ext cx="3140888" cy="745088"/>
         </a:xfrm>
         <a:prstGeom prst="roundRect">
           <a:avLst>
@@ -18709,8 +19085,8 @@
         </a:p>
       </dsp:txBody>
       <dsp:txXfrm>
-        <a:off x="1197089" y="2796019"/>
-        <a:ext cx="3142933" cy="745573"/>
+        <a:off x="1196311" y="2795352"/>
+        <a:ext cx="3140888" cy="745088"/>
       </dsp:txXfrm>
     </dsp:sp>
   </dsp:spTree>
@@ -18732,7 +19108,7 @@
       </dsp:nvSpPr>
       <dsp:spPr>
         <a:xfrm>
-          <a:off x="665992" y="415"/>
+          <a:off x="745509" y="415"/>
           <a:ext cx="2626660" cy="590146"/>
         </a:xfrm>
         <a:prstGeom prst="roundRect">
@@ -18812,7 +19188,7 @@
         </a:p>
       </dsp:txBody>
       <dsp:txXfrm>
-        <a:off x="665992" y="415"/>
+        <a:off x="745509" y="415"/>
         <a:ext cx="2626660" cy="590146"/>
       </dsp:txXfrm>
     </dsp:sp>
@@ -18823,8 +19199,8 @@
       </dsp:nvSpPr>
       <dsp:spPr>
         <a:xfrm>
-          <a:off x="928658" y="590562"/>
-          <a:ext cx="262666" cy="442610"/>
+          <a:off x="1008175" y="590562"/>
+          <a:ext cx="183149" cy="442610"/>
         </a:xfrm>
         <a:custGeom>
           <a:avLst/>
@@ -18841,7 +19217,7 @@
                 <a:pt x="0" y="442610"/>
               </a:lnTo>
               <a:lnTo>
-                <a:pt x="262666" y="442610"/>
+                <a:pt x="183149" y="442610"/>
               </a:lnTo>
             </a:path>
           </a:pathLst>
@@ -18965,8 +19341,8 @@
       </dsp:nvSpPr>
       <dsp:spPr>
         <a:xfrm>
-          <a:off x="928658" y="590562"/>
-          <a:ext cx="262666" cy="1180293"/>
+          <a:off x="1008175" y="590562"/>
+          <a:ext cx="183149" cy="1180293"/>
         </a:xfrm>
         <a:custGeom>
           <a:avLst/>
@@ -18983,7 +19359,7 @@
                 <a:pt x="0" y="1180293"/>
               </a:lnTo>
               <a:lnTo>
-                <a:pt x="262666" y="1180293"/>
+                <a:pt x="183149" y="1180293"/>
               </a:lnTo>
             </a:path>
           </a:pathLst>
@@ -19107,8 +19483,8 @@
       </dsp:nvSpPr>
       <dsp:spPr>
         <a:xfrm>
-          <a:off x="928658" y="590562"/>
-          <a:ext cx="262666" cy="1917976"/>
+          <a:off x="1008175" y="590562"/>
+          <a:ext cx="183149" cy="1917976"/>
         </a:xfrm>
         <a:custGeom>
           <a:avLst/>
@@ -19125,7 +19501,7 @@
                 <a:pt x="0" y="1917976"/>
               </a:lnTo>
               <a:lnTo>
-                <a:pt x="262666" y="1917976"/>
+                <a:pt x="183149" y="1917976"/>
               </a:lnTo>
             </a:path>
           </a:pathLst>
@@ -19249,8 +19625,8 @@
       </dsp:nvSpPr>
       <dsp:spPr>
         <a:xfrm>
-          <a:off x="928658" y="590562"/>
-          <a:ext cx="262666" cy="2655660"/>
+          <a:off x="1008175" y="590562"/>
+          <a:ext cx="183149" cy="2655660"/>
         </a:xfrm>
         <a:custGeom>
           <a:avLst/>
@@ -19267,7 +19643,7 @@
                 <a:pt x="0" y="2655660"/>
               </a:lnTo>
               <a:lnTo>
-                <a:pt x="262666" y="2655660"/>
+                <a:pt x="183149" y="2655660"/>
               </a:lnTo>
             </a:path>
           </a:pathLst>
@@ -40349,7 +40725,7 @@
             <a:fld id="{48A87A34-81AB-432B-8DAE-1953F412C126}" type="datetimeFigureOut">
               <a:rPr lang="en-US" dirty="0"/>
               <a:pPr/>
-              <a:t>6/14/2019</a:t>
+              <a:t>6/17/2019</a:t>
             </a:fld>
             <a:endParaRPr lang="en-US" dirty="0"/>
           </a:p>
@@ -40614,7 +40990,7 @@
             <a:fld id="{48A87A34-81AB-432B-8DAE-1953F412C126}" type="datetimeFigureOut">
               <a:rPr lang="en-US" dirty="0"/>
               <a:pPr/>
-              <a:t>6/14/2019</a:t>
+              <a:t>6/17/2019</a:t>
             </a:fld>
             <a:endParaRPr lang="en-US" dirty="0"/>
           </a:p>
@@ -40808,7 +41184,7 @@
             <a:fld id="{48A87A34-81AB-432B-8DAE-1953F412C126}" type="datetimeFigureOut">
               <a:rPr lang="en-US" dirty="0"/>
               <a:pPr/>
-              <a:t>6/14/2019</a:t>
+              <a:t>6/17/2019</a:t>
             </a:fld>
             <a:endParaRPr lang="en-US" dirty="0"/>
           </a:p>
@@ -41069,7 +41445,7 @@
             <a:fld id="{48A87A34-81AB-432B-8DAE-1953F412C126}" type="datetimeFigureOut">
               <a:rPr lang="en-US" dirty="0"/>
               <a:pPr/>
-              <a:t>6/14/2019</a:t>
+              <a:t>6/17/2019</a:t>
             </a:fld>
             <a:endParaRPr lang="en-US" dirty="0"/>
           </a:p>
@@ -41501,7 +41877,7 @@
             <a:fld id="{48A87A34-81AB-432B-8DAE-1953F412C126}" type="datetimeFigureOut">
               <a:rPr lang="en-US" dirty="0"/>
               <a:pPr/>
-              <a:t>6/14/2019</a:t>
+              <a:t>6/17/2019</a:t>
             </a:fld>
             <a:endParaRPr lang="en-US" dirty="0"/>
           </a:p>
@@ -42045,7 +42421,7 @@
             <a:fld id="{48A87A34-81AB-432B-8DAE-1953F412C126}" type="datetimeFigureOut">
               <a:rPr lang="en-US" dirty="0"/>
               <a:pPr/>
-              <a:t>6/14/2019</a:t>
+              <a:t>6/17/2019</a:t>
             </a:fld>
             <a:endParaRPr lang="en-US" dirty="0"/>
           </a:p>
@@ -42763,7 +43139,7 @@
             <a:fld id="{48A87A34-81AB-432B-8DAE-1953F412C126}" type="datetimeFigureOut">
               <a:rPr lang="en-US" dirty="0"/>
               <a:pPr/>
-              <a:t>6/14/2019</a:t>
+              <a:t>6/17/2019</a:t>
             </a:fld>
             <a:endParaRPr lang="en-US" dirty="0"/>
           </a:p>
@@ -42931,7 +43307,7 @@
             <a:fld id="{48A87A34-81AB-432B-8DAE-1953F412C126}" type="datetimeFigureOut">
               <a:rPr lang="en-US" dirty="0"/>
               <a:pPr/>
-              <a:t>6/14/2019</a:t>
+              <a:t>6/17/2019</a:t>
             </a:fld>
             <a:endParaRPr lang="en-US" dirty="0"/>
           </a:p>
@@ -43109,7 +43485,7 @@
             <a:fld id="{48A87A34-81AB-432B-8DAE-1953F412C126}" type="datetimeFigureOut">
               <a:rPr lang="en-US" dirty="0"/>
               <a:pPr/>
-              <a:t>6/14/2019</a:t>
+              <a:t>6/17/2019</a:t>
             </a:fld>
             <a:endParaRPr lang="en-US" dirty="0"/>
           </a:p>
@@ -43277,7 +43653,7 @@
             <a:fld id="{48A87A34-81AB-432B-8DAE-1953F412C126}" type="datetimeFigureOut">
               <a:rPr lang="en-US" dirty="0"/>
               <a:pPr/>
-              <a:t>6/14/2019</a:t>
+              <a:t>6/17/2019</a:t>
             </a:fld>
             <a:endParaRPr lang="en-US" dirty="0"/>
           </a:p>
@@ -43525,7 +43901,7 @@
             <a:fld id="{48A87A34-81AB-432B-8DAE-1953F412C126}" type="datetimeFigureOut">
               <a:rPr lang="en-US" dirty="0"/>
               <a:pPr/>
-              <a:t>6/14/2019</a:t>
+              <a:t>6/17/2019</a:t>
             </a:fld>
             <a:endParaRPr lang="en-US" dirty="0"/>
           </a:p>
@@ -43755,7 +44131,7 @@
             <a:fld id="{48A87A34-81AB-432B-8DAE-1953F412C126}" type="datetimeFigureOut">
               <a:rPr lang="en-US" dirty="0"/>
               <a:pPr/>
-              <a:t>6/14/2019</a:t>
+              <a:t>6/17/2019</a:t>
             </a:fld>
             <a:endParaRPr lang="en-US" dirty="0"/>
           </a:p>
@@ -44134,7 +44510,7 @@
             <a:fld id="{48A87A34-81AB-432B-8DAE-1953F412C126}" type="datetimeFigureOut">
               <a:rPr lang="en-US" dirty="0"/>
               <a:pPr/>
-              <a:t>6/14/2019</a:t>
+              <a:t>6/17/2019</a:t>
             </a:fld>
             <a:endParaRPr lang="en-US" dirty="0"/>
           </a:p>
@@ -44250,7 +44626,7 @@
             <a:fld id="{48A87A34-81AB-432B-8DAE-1953F412C126}" type="datetimeFigureOut">
               <a:rPr lang="en-US" dirty="0"/>
               <a:pPr/>
-              <a:t>6/14/2019</a:t>
+              <a:t>6/17/2019</a:t>
             </a:fld>
             <a:endParaRPr lang="en-US" dirty="0"/>
           </a:p>
@@ -44343,7 +44719,7 @@
             <a:fld id="{48A87A34-81AB-432B-8DAE-1953F412C126}" type="datetimeFigureOut">
               <a:rPr lang="en-US" dirty="0"/>
               <a:pPr/>
-              <a:t>6/14/2019</a:t>
+              <a:t>6/17/2019</a:t>
             </a:fld>
             <a:endParaRPr lang="en-US" dirty="0"/>
           </a:p>
@@ -44590,7 +44966,7 @@
             <a:fld id="{48A87A34-81AB-432B-8DAE-1953F412C126}" type="datetimeFigureOut">
               <a:rPr lang="en-US" dirty="0"/>
               <a:pPr/>
-              <a:t>6/14/2019</a:t>
+              <a:t>6/17/2019</a:t>
             </a:fld>
             <a:endParaRPr lang="en-US" dirty="0"/>
           </a:p>
@@ -44868,7 +45244,7 @@
             <a:fld id="{48A87A34-81AB-432B-8DAE-1953F412C126}" type="datetimeFigureOut">
               <a:rPr lang="en-US" dirty="0"/>
               <a:pPr/>
-              <a:t>6/14/2019</a:t>
+              <a:t>6/17/2019</a:t>
             </a:fld>
             <a:endParaRPr lang="en-US" dirty="0"/>
           </a:p>
@@ -47950,7 +48326,7 @@
             <a:fld id="{48A87A34-81AB-432B-8DAE-1953F412C126}" type="datetimeFigureOut">
               <a:rPr lang="en-US" dirty="0"/>
               <a:pPr/>
-              <a:t>6/14/2019</a:t>
+              <a:t>6/17/2019</a:t>
             </a:fld>
             <a:endParaRPr lang="en-US" dirty="0"/>
           </a:p>
@@ -48990,6 +49366,38 @@
           </a:ln>
         </p:spPr>
       </p:pic>
+      <p:pic>
+        <p:nvPicPr>
+          <p:cNvPr id="3" name="Picture 2"/>
+          <p:cNvPicPr>
+            <a:picLocks noChangeAspect="1" noChangeArrowheads="1"/>
+          </p:cNvPicPr>
+          <p:nvPr/>
+        </p:nvPicPr>
+        <p:blipFill>
+          <a:blip r:embed="rId9"/>
+          <a:srcRect/>
+          <a:stretch>
+            <a:fillRect/>
+          </a:stretch>
+        </p:blipFill>
+        <p:spPr bwMode="auto">
+          <a:xfrm>
+            <a:off x="2976563" y="1504950"/>
+            <a:ext cx="6238875" cy="3848100"/>
+          </a:xfrm>
+          <a:prstGeom prst="rect">
+            <a:avLst/>
+          </a:prstGeom>
+          <a:noFill/>
+          <a:ln w="9525">
+            <a:noFill/>
+            <a:miter lim="800000"/>
+            <a:headEnd/>
+            <a:tailEnd/>
+          </a:ln>
+        </p:spPr>
+      </p:pic>
     </p:spTree>
     <p:extLst>
       <p:ext uri="{BB962C8B-B14F-4D97-AF65-F5344CB8AC3E}">
@@ -49101,6 +49509,13 @@
     <a:masterClrMapping/>
   </p:clrMapOvr>
   <p:transition spd="med"/>
+  <p:timing>
+    <p:tnLst>
+      <p:par>
+        <p:cTn id="1" dur="indefinite" restart="never" nodeType="tmRoot"/>
+      </p:par>
+    </p:tnLst>
+  </p:timing>
 </p:sld>
 </file>
 
@@ -49194,6 +49609,13 @@
     <a:masterClrMapping/>
   </p:clrMapOvr>
   <p:transition spd="med"/>
+  <p:timing>
+    <p:tnLst>
+      <p:par>
+        <p:cTn id="1" dur="indefinite" restart="never" nodeType="tmRoot"/>
+      </p:par>
+    </p:tnLst>
+  </p:timing>
 </p:sld>
 </file>
 
@@ -49287,6 +49709,13 @@
     <a:masterClrMapping/>
   </p:clrMapOvr>
   <p:transition spd="med"/>
+  <p:timing>
+    <p:tnLst>
+      <p:par>
+        <p:cTn id="1" dur="indefinite" restart="never" nodeType="tmRoot"/>
+      </p:par>
+    </p:tnLst>
+  </p:timing>
 </p:sld>
 </file>
 
@@ -49343,7 +49772,41 @@
                 <a:latin typeface="Arial" pitchFamily="34" charset="0"/>
                 <a:cs typeface="Arial" pitchFamily="34" charset="0"/>
               </a:rPr>
-              <a:t> VĂ Mulțumesc Pentru Atenția Acordată!</a:t>
+              <a:t> VĂ Mulțumesc Pentru Atenția</a:t>
+            </a:r>
+            <a:r>
+              <a:rPr lang="en-US" dirty="0" smtClean="0">
+                <a:solidFill>
+                  <a:schemeClr val="bg1"/>
+                </a:solidFill>
+                <a:effectLst>
+                  <a:outerShdw blurRad="38100" dist="38100" dir="2700000" algn="tl">
+                    <a:srgbClr val="000000">
+                      <a:alpha val="43137"/>
+                    </a:srgbClr>
+                  </a:outerShdw>
+                </a:effectLst>
+                <a:latin typeface="Arial" pitchFamily="34" charset="0"/>
+                <a:cs typeface="Arial" pitchFamily="34" charset="0"/>
+              </a:rPr>
+              <a:t>  </a:t>
+            </a:r>
+            <a:r>
+              <a:rPr lang="ro-RO" dirty="0" smtClean="0">
+                <a:solidFill>
+                  <a:schemeClr val="bg1"/>
+                </a:solidFill>
+                <a:effectLst>
+                  <a:outerShdw blurRad="38100" dist="38100" dir="2700000" algn="tl">
+                    <a:srgbClr val="000000">
+                      <a:alpha val="43137"/>
+                    </a:srgbClr>
+                  </a:outerShdw>
+                </a:effectLst>
+                <a:latin typeface="Arial" pitchFamily="34" charset="0"/>
+                <a:cs typeface="Arial" pitchFamily="34" charset="0"/>
+              </a:rPr>
+              <a:t>Acordată!</a:t>
             </a:r>
             <a:endParaRPr lang="ro-RO" dirty="0">
               <a:solidFill>
@@ -49373,6 +49836,13 @@
     <a:masterClrMapping/>
   </p:clrMapOvr>
   <p:transition spd="med"/>
+  <p:timing>
+    <p:tnLst>
+      <p:par>
+        <p:cTn id="1" dur="indefinite" restart="never" nodeType="tmRoot"/>
+      </p:par>
+    </p:tnLst>
+  </p:timing>
 </p:sld>
 </file>
 
@@ -50197,17 +50667,7 @@
                 <a:latin typeface="Arial" pitchFamily="34" charset="0"/>
                 <a:cs typeface="Arial" pitchFamily="34" charset="0"/>
               </a:rPr>
-              <a:t>Echipamente </a:t>
-            </a:r>
-            <a:r>
-              <a:rPr lang="ro-RO" dirty="0" smtClean="0">
-                <a:solidFill>
-                  <a:schemeClr val="bg1"/>
-                </a:solidFill>
-                <a:latin typeface="Arial" pitchFamily="34" charset="0"/>
-                <a:cs typeface="Arial" pitchFamily="34" charset="0"/>
-              </a:rPr>
-              <a:t>hardware</a:t>
+              <a:t>Echipamente hardware</a:t>
             </a:r>
             <a:endParaRPr lang="ro-RO" dirty="0">
               <a:solidFill>
@@ -50296,17 +50756,7 @@
                 <a:latin typeface="Arial" pitchFamily="34" charset="0"/>
                 <a:cs typeface="Arial" pitchFamily="34" charset="0"/>
               </a:rPr>
-              <a:t>Echipamente </a:t>
-            </a:r>
-            <a:r>
-              <a:rPr lang="ro-RO" dirty="0" smtClean="0">
-                <a:solidFill>
-                  <a:schemeClr val="bg1"/>
-                </a:solidFill>
-                <a:latin typeface="Arial" pitchFamily="34" charset="0"/>
-                <a:cs typeface="Arial" pitchFamily="34" charset="0"/>
-              </a:rPr>
-              <a:t>hardware</a:t>
+              <a:t>Echipamente hardware</a:t>
             </a:r>
             <a:endParaRPr lang="ro-RO" dirty="0">
               <a:solidFill>
@@ -50612,35 +51062,26 @@
           </a:graphicData>
         </a:graphic>
       </p:graphicFrame>
-      <p:pic>
-        <p:nvPicPr>
-          <p:cNvPr id="12" name="Content Placeholder 4"/>
-          <p:cNvPicPr>
-            <a:picLocks noGrp="1" noChangeAspect="1"/>
-          </p:cNvPicPr>
+      <p:graphicFrame>
+        <p:nvGraphicFramePr>
+          <p:cNvPr id="6" name="Content Placeholder 10"/>
+          <p:cNvGraphicFramePr>
+            <a:graphicFrameLocks noGrp="1"/>
+          </p:cNvGraphicFramePr>
           <p:nvPr>
             <p:ph sz="half" idx="2"/>
           </p:nvPr>
-        </p:nvPicPr>
-        <p:blipFill>
-          <a:blip r:embed="rId7" cstate="print">
-            <a:extLst>
-              <a:ext uri="{28A0092B-C50C-407E-A947-70E740481C1C}">
-                <a14:useLocalDpi xmlns:a14="http://schemas.microsoft.com/office/drawing/2010/main" xmlns="" val="0"/>
-              </a:ext>
-            </a:extLst>
-          </a:blip>
-          <a:stretch>
-            <a:fillRect/>
-          </a:stretch>
-        </p:blipFill>
-        <p:spPr>
-          <a:xfrm>
-            <a:off x="6994233" y="2207446"/>
-            <a:ext cx="2790898" cy="3541712"/>
-          </a:xfrm>
-        </p:spPr>
-      </p:pic>
+        </p:nvGraphicFramePr>
+        <p:xfrm>
+          <a:off x="6172200" y="2249488"/>
+          <a:ext cx="4875213" cy="3541712"/>
+        </p:xfrm>
+        <a:graphic>
+          <a:graphicData uri="http://schemas.openxmlformats.org/drawingml/2006/diagram">
+            <dgm:relIds xmlns:dgm="http://schemas.openxmlformats.org/drawingml/2006/diagram" xmlns:r="http://schemas.openxmlformats.org/officeDocument/2006/relationships" r:dm="rId7" r:lo="rId8" r:qs="rId9" r:cs="rId10"/>
+          </a:graphicData>
+        </a:graphic>
+      </p:graphicFrame>
     </p:spTree>
     <p:extLst>
       <p:ext uri="{BB962C8B-B14F-4D97-AF65-F5344CB8AC3E}">
@@ -50721,26 +51162,6 @@
           </a:p>
         </p:txBody>
       </p:sp>
-      <p:graphicFrame>
-        <p:nvGraphicFramePr>
-          <p:cNvPr id="11" name="Content Placeholder 10"/>
-          <p:cNvGraphicFramePr>
-            <a:graphicFrameLocks noGrp="1"/>
-          </p:cNvGraphicFramePr>
-          <p:nvPr>
-            <p:ph sz="half" idx="1"/>
-          </p:nvPr>
-        </p:nvGraphicFramePr>
-        <p:xfrm>
-          <a:off x="6165358" y="2259998"/>
-          <a:ext cx="4878387" cy="3541712"/>
-        </p:xfrm>
-        <a:graphic>
-          <a:graphicData uri="http://schemas.openxmlformats.org/drawingml/2006/diagram">
-            <dgm:relIds xmlns:dgm="http://schemas.openxmlformats.org/drawingml/2006/diagram" xmlns:r="http://schemas.openxmlformats.org/officeDocument/2006/relationships" r:dm="rId2" r:lo="rId3" r:qs="rId4" r:cs="rId5"/>
-          </a:graphicData>
-        </a:graphic>
-      </p:graphicFrame>
       <p:pic>
         <p:nvPicPr>
           <p:cNvPr id="6" name="Content Placeholder 5"/>
@@ -50752,7 +51173,7 @@
           </p:nvPr>
         </p:nvPicPr>
         <p:blipFill>
-          <a:blip r:embed="rId7" cstate="print">
+          <a:blip r:embed="rId2" cstate="print">
             <a:extLst>
               <a:ext uri="{28A0092B-C50C-407E-A947-70E740481C1C}">
                 <a14:useLocalDpi xmlns="" xmlns:wpc="http://schemas.microsoft.com/office/word/2010/wordprocessingCanvas" xmlns:cx="http://schemas.microsoft.com/office/drawing/2014/chartex" xmlns:cx1="http://schemas.microsoft.com/office/drawing/2015/9/8/chartex" xmlns:cx2="http://schemas.microsoft.com/office/drawing/2015/10/21/chartex" xmlns:cx3="http://schemas.microsoft.com/office/drawing/2016/5/9/chartex" xmlns:cx4="http://schemas.microsoft.com/office/drawing/2016/5/10/chartex" xmlns:cx5="http://schemas.microsoft.com/office/drawing/2016/5/11/chartex" xmlns:cx6="http://schemas.microsoft.com/office/drawing/2016/5/12/chartex" xmlns:cx7="http://schemas.microsoft.com/office/drawing/2016/5/13/chartex" xmlns:cx8="http://schemas.microsoft.com/office/drawing/2016/5/14/chartex" xmlns:mc="http://schemas.openxmlformats.org/markup-compatibility/2006" xmlns:aink="http://schemas.microsoft.com/office/drawing/2016/ink" xmlns:am3d="http://schemas.microsoft.com/office/drawing/2017/model3d" xmlns:o="urn:schemas-microsoft-com:office:office" xmlns:m="http://schemas.openxmlformats.org/officeDocument/2006/math" xmlns:v="urn:schemas-microsoft-com:vml" xmlns:wp14="http://schemas.microsoft.com/office/word/2010/wordprocessingDrawing" xmlns:wp="http://schemas.openxmlformats.org/drawingml/2006/wordprocessingDrawing" xmlns:w10="urn:schemas-microsoft-com:office:word" xmlns:w="http://schemas.openxmlformats.org/wordprocessingml/2006/main" xmlns:w14="http://schemas.microsoft.com/office/word/2010/wordml" xmlns:w15="http://schemas.microsoft.com/office/word/2012/wordml" xmlns:w16cid="http://schemas.microsoft.com/office/word/2016/wordml/cid" xmlns:w16se="http://schemas.microsoft.com/office/word/2015/wordml/symex" xmlns:wpg="http://schemas.microsoft.com/office/word/2010/wordprocessingGroup" xmlns:wpi="http://schemas.microsoft.com/office/word/2010/wordprocessingInk" xmlns:wne="http://schemas.microsoft.com/office/word/2006/wordml" xmlns:wps="http://schemas.microsoft.com/office/word/2010/wordprocessingShape" xmlns:a14="http://schemas.microsoft.com/office/drawing/2010/main" xmlns:pic="http://schemas.openxmlformats.org/drawingml/2006/picture" xmlns:lc="http://schemas.openxmlformats.org/drawingml/2006/lockedCanvas" val="0"/>
@@ -50765,12 +51186,46 @@
         </p:blipFill>
         <p:spPr>
           <a:xfrm>
-            <a:off x="980362" y="2091560"/>
+            <a:off x="6456251" y="2112581"/>
             <a:ext cx="5399415" cy="3951888"/>
           </a:xfrm>
           <a:prstGeom prst="rect">
             <a:avLst/>
           </a:prstGeom>
+        </p:spPr>
+      </p:pic>
+      <p:pic>
+        <p:nvPicPr>
+          <p:cNvPr id="1026" name="Picture 2"/>
+          <p:cNvPicPr>
+            <a:picLocks noGrp="1" noChangeAspect="1" noChangeArrowheads="1"/>
+          </p:cNvPicPr>
+          <p:nvPr>
+            <p:ph sz="half" idx="1"/>
+          </p:nvPr>
+        </p:nvPicPr>
+        <p:blipFill>
+          <a:blip r:embed="rId3"/>
+          <a:srcRect/>
+          <a:stretch>
+            <a:fillRect/>
+          </a:stretch>
+        </p:blipFill>
+        <p:spPr bwMode="auto">
+          <a:xfrm>
+            <a:off x="1141413" y="2511256"/>
+            <a:ext cx="4878387" cy="3018175"/>
+          </a:xfrm>
+          <a:prstGeom prst="rect">
+            <a:avLst/>
+          </a:prstGeom>
+          <a:noFill/>
+          <a:ln w="9525">
+            <a:noFill/>
+            <a:miter lim="800000"/>
+            <a:headEnd/>
+            <a:tailEnd/>
+          </a:ln>
         </p:spPr>
       </p:pic>
     </p:spTree>
